--- a/présentation.pptx
+++ b/présentation.pptx
@@ -5,7 +5,7 @@
     <p:sldMasterId id="2147483648" r:id="rId1"/>
   </p:sldMasterIdLst>
   <p:notesMasterIdLst>
-    <p:notesMasterId r:id="rId8"/>
+    <p:notesMasterId r:id="rId9"/>
   </p:notesMasterIdLst>
   <p:sldIdLst>
     <p:sldId id="256" r:id="rId2"/>
@@ -14,6 +14,7 @@
     <p:sldId id="260" r:id="rId5"/>
     <p:sldId id="261" r:id="rId6"/>
     <p:sldId id="263" r:id="rId7"/>
+    <p:sldId id="264" r:id="rId8"/>
   </p:sldIdLst>
   <p:sldSz cx="12192000" cy="6858000"/>
   <p:notesSz cx="6858000" cy="9144000"/>
@@ -112,6 +113,11 @@
       </a:defRPr>
     </a:lvl9pPr>
   </p:defaultTextStyle>
+  <p:extLst>
+    <p:ext uri="{EFAFB233-063F-42B5-8137-9DF3F51BA10A}">
+      <p15:sldGuideLst xmlns:p15="http://schemas.microsoft.com/office/powerpoint/2012/main"/>
+    </p:ext>
+  </p:extLst>
 </p:presentation>
 </file>
 
@@ -197,7 +203,7 @@
           <a:p>
             <a:fld id="{7D49C35A-3C59-48C2-96AE-104AC286FF6B}" type="datetimeFigureOut">
               <a:rPr lang="fr-FR" smtClean="0"/>
-              <a:t>11/04/2023</a:t>
+              <a:t>12/04/2023</a:t>
             </a:fld>
             <a:endParaRPr lang="fr-FR"/>
           </a:p>
@@ -698,7 +704,7 @@
           <a:p>
             <a:fld id="{FCABECAA-6EAB-4055-AE31-804E358C5D92}" type="datetimeFigureOut">
               <a:rPr lang="fr-FR" smtClean="0"/>
-              <a:t>09/04/2023</a:t>
+              <a:t>12/04/2023</a:t>
             </a:fld>
             <a:endParaRPr lang="fr-FR"/>
           </a:p>
@@ -896,7 +902,7 @@
           <a:p>
             <a:fld id="{FCABECAA-6EAB-4055-AE31-804E358C5D92}" type="datetimeFigureOut">
               <a:rPr lang="fr-FR" smtClean="0"/>
-              <a:t>09/04/2023</a:t>
+              <a:t>12/04/2023</a:t>
             </a:fld>
             <a:endParaRPr lang="fr-FR"/>
           </a:p>
@@ -1104,7 +1110,7 @@
           <a:p>
             <a:fld id="{FCABECAA-6EAB-4055-AE31-804E358C5D92}" type="datetimeFigureOut">
               <a:rPr lang="fr-FR" smtClean="0"/>
-              <a:t>09/04/2023</a:t>
+              <a:t>12/04/2023</a:t>
             </a:fld>
             <a:endParaRPr lang="fr-FR"/>
           </a:p>
@@ -1302,7 +1308,7 @@
           <a:p>
             <a:fld id="{FCABECAA-6EAB-4055-AE31-804E358C5D92}" type="datetimeFigureOut">
               <a:rPr lang="fr-FR" smtClean="0"/>
-              <a:t>09/04/2023</a:t>
+              <a:t>12/04/2023</a:t>
             </a:fld>
             <a:endParaRPr lang="fr-FR"/>
           </a:p>
@@ -1577,7 +1583,7 @@
           <a:p>
             <a:fld id="{FCABECAA-6EAB-4055-AE31-804E358C5D92}" type="datetimeFigureOut">
               <a:rPr lang="fr-FR" smtClean="0"/>
-              <a:t>09/04/2023</a:t>
+              <a:t>12/04/2023</a:t>
             </a:fld>
             <a:endParaRPr lang="fr-FR"/>
           </a:p>
@@ -1842,7 +1848,7 @@
           <a:p>
             <a:fld id="{FCABECAA-6EAB-4055-AE31-804E358C5D92}" type="datetimeFigureOut">
               <a:rPr lang="fr-FR" smtClean="0"/>
-              <a:t>09/04/2023</a:t>
+              <a:t>12/04/2023</a:t>
             </a:fld>
             <a:endParaRPr lang="fr-FR"/>
           </a:p>
@@ -2254,7 +2260,7 @@
           <a:p>
             <a:fld id="{FCABECAA-6EAB-4055-AE31-804E358C5D92}" type="datetimeFigureOut">
               <a:rPr lang="fr-FR" smtClean="0"/>
-              <a:t>09/04/2023</a:t>
+              <a:t>12/04/2023</a:t>
             </a:fld>
             <a:endParaRPr lang="fr-FR"/>
           </a:p>
@@ -2395,7 +2401,7 @@
           <a:p>
             <a:fld id="{FCABECAA-6EAB-4055-AE31-804E358C5D92}" type="datetimeFigureOut">
               <a:rPr lang="fr-FR" smtClean="0"/>
-              <a:t>09/04/2023</a:t>
+              <a:t>12/04/2023</a:t>
             </a:fld>
             <a:endParaRPr lang="fr-FR"/>
           </a:p>
@@ -2508,7 +2514,7 @@
           <a:p>
             <a:fld id="{FCABECAA-6EAB-4055-AE31-804E358C5D92}" type="datetimeFigureOut">
               <a:rPr lang="fr-FR" smtClean="0"/>
-              <a:t>09/04/2023</a:t>
+              <a:t>12/04/2023</a:t>
             </a:fld>
             <a:endParaRPr lang="fr-FR"/>
           </a:p>
@@ -2819,7 +2825,7 @@
           <a:p>
             <a:fld id="{FCABECAA-6EAB-4055-AE31-804E358C5D92}" type="datetimeFigureOut">
               <a:rPr lang="fr-FR" smtClean="0"/>
-              <a:t>09/04/2023</a:t>
+              <a:t>12/04/2023</a:t>
             </a:fld>
             <a:endParaRPr lang="fr-FR"/>
           </a:p>
@@ -3107,7 +3113,7 @@
           <a:p>
             <a:fld id="{FCABECAA-6EAB-4055-AE31-804E358C5D92}" type="datetimeFigureOut">
               <a:rPr lang="fr-FR" smtClean="0"/>
-              <a:t>09/04/2023</a:t>
+              <a:t>12/04/2023</a:t>
             </a:fld>
             <a:endParaRPr lang="fr-FR"/>
           </a:p>
@@ -3348,7 +3354,7 @@
           <a:p>
             <a:fld id="{FCABECAA-6EAB-4055-AE31-804E358C5D92}" type="datetimeFigureOut">
               <a:rPr lang="fr-FR" smtClean="0"/>
-              <a:t>09/04/2023</a:t>
+              <a:t>12/04/2023</a:t>
             </a:fld>
             <a:endParaRPr lang="fr-FR"/>
           </a:p>
@@ -5266,7 +5272,7 @@
         </p:blipFill>
         <p:spPr>
           <a:xfrm>
-            <a:off x="1875508" y="4927496"/>
+            <a:off x="1836683" y="4785646"/>
             <a:ext cx="1183113" cy="1177855"/>
           </a:xfrm>
           <a:prstGeom prst="rect">
@@ -5302,7 +5308,7 @@
         </p:blipFill>
         <p:spPr>
           <a:xfrm>
-            <a:off x="6334791" y="5138106"/>
+            <a:off x="6306081" y="5095686"/>
             <a:ext cx="985953" cy="1017757"/>
           </a:xfrm>
           <a:prstGeom prst="rect">
@@ -5428,8 +5434,21 @@
             </a:r>
             <a:r>
               <a:rPr lang="fr-FR" i="1" dirty="0"/>
-              <a:t> </a:t>
-            </a:r>
+              <a:t> – </a:t>
+            </a:r>
+            <a:r>
+              <a:rPr lang="fr-FR" i="1" dirty="0" err="1"/>
+              <a:t>Database</a:t>
+            </a:r>
+            <a:r>
+              <a:rPr lang="fr-FR" i="1" dirty="0"/>
+              <a:t> relationnelle, Batch </a:t>
+            </a:r>
+            <a:r>
+              <a:rPr lang="fr-FR" i="1" dirty="0" err="1"/>
+              <a:t>processing</a:t>
+            </a:r>
+            <a:endParaRPr lang="fr-FR" i="1" dirty="0"/>
           </a:p>
           <a:p>
             <a:pPr marL="742950" lvl="1" indent="-285750">
@@ -5665,6 +5684,473 @@
           <a:p>
             <a:r>
               <a:rPr lang="fr-FR" dirty="0"/>
+              <a:t>Organisation – </a:t>
+            </a:r>
+            <a:r>
+              <a:rPr lang="fr-FR" dirty="0" err="1"/>
+              <a:t>Tree</a:t>
+            </a:r>
+            <a:r>
+              <a:rPr lang="fr-FR" dirty="0"/>
+              <a:t> structure</a:t>
+            </a:r>
+          </a:p>
+        </p:txBody>
+      </p:sp>
+      <p:sp>
+        <p:nvSpPr>
+          <p:cNvPr id="4" name="Rectangle 3">
+            <a:extLst>
+              <a:ext uri="{FF2B5EF4-FFF2-40B4-BE49-F238E27FC236}">
+                <a16:creationId xmlns:a16="http://schemas.microsoft.com/office/drawing/2014/main" id="{4490E09A-99DB-99F4-2528-DF35090DC4B3}"/>
+              </a:ext>
+            </a:extLst>
+          </p:cNvPr>
+          <p:cNvSpPr/>
+          <p:nvPr/>
+        </p:nvSpPr>
+        <p:spPr>
+          <a:xfrm>
+            <a:off x="1" y="-42420"/>
+            <a:ext cx="12192000" cy="565608"/>
+          </a:xfrm>
+          <a:prstGeom prst="rect">
+            <a:avLst/>
+          </a:prstGeom>
+        </p:spPr>
+        <p:style>
+          <a:lnRef idx="2">
+            <a:schemeClr val="accent1">
+              <a:shade val="50000"/>
+            </a:schemeClr>
+          </a:lnRef>
+          <a:fillRef idx="1">
+            <a:schemeClr val="accent1"/>
+          </a:fillRef>
+          <a:effectRef idx="0">
+            <a:schemeClr val="accent1"/>
+          </a:effectRef>
+          <a:fontRef idx="minor">
+            <a:schemeClr val="lt1"/>
+          </a:fontRef>
+        </p:style>
+        <p:txBody>
+          <a:bodyPr rtlCol="0" anchor="ctr"/>
+          <a:lstStyle/>
+          <a:p>
+            <a:pPr algn="ctr"/>
+            <a:r>
+              <a:rPr lang="fr-FR" dirty="0"/>
+              <a:t>Data pipeline</a:t>
+            </a:r>
+          </a:p>
+        </p:txBody>
+      </p:sp>
+      <p:pic>
+        <p:nvPicPr>
+          <p:cNvPr id="8" name="Image 7">
+            <a:extLst>
+              <a:ext uri="{FF2B5EF4-FFF2-40B4-BE49-F238E27FC236}">
+                <a16:creationId xmlns:a16="http://schemas.microsoft.com/office/drawing/2014/main" id="{930EB74B-9AF4-1503-DBD0-ED2932A259E4}"/>
+              </a:ext>
+            </a:extLst>
+          </p:cNvPr>
+          <p:cNvPicPr>
+            <a:picLocks noChangeAspect="1"/>
+          </p:cNvPicPr>
+          <p:nvPr/>
+        </p:nvPicPr>
+        <p:blipFill>
+          <a:blip r:embed="rId2"/>
+          <a:stretch>
+            <a:fillRect/>
+          </a:stretch>
+        </p:blipFill>
+        <p:spPr>
+          <a:xfrm>
+            <a:off x="1295760" y="2022819"/>
+            <a:ext cx="1653683" cy="3295936"/>
+          </a:xfrm>
+          <a:prstGeom prst="rect">
+            <a:avLst/>
+          </a:prstGeom>
+        </p:spPr>
+      </p:pic>
+      <p:cxnSp>
+        <p:nvCxnSpPr>
+          <p:cNvPr id="9" name="Connecteur droit avec flèche 8">
+            <a:extLst>
+              <a:ext uri="{FF2B5EF4-FFF2-40B4-BE49-F238E27FC236}">
+                <a16:creationId xmlns:a16="http://schemas.microsoft.com/office/drawing/2014/main" id="{37A2D32B-2F3B-5602-C53D-4F1E8F2E6981}"/>
+              </a:ext>
+            </a:extLst>
+          </p:cNvPr>
+          <p:cNvCxnSpPr>
+            <a:cxnSpLocks/>
+          </p:cNvCxnSpPr>
+          <p:nvPr/>
+        </p:nvCxnSpPr>
+        <p:spPr>
+          <a:xfrm flipV="1">
+            <a:off x="2069185" y="2343329"/>
+            <a:ext cx="1315038" cy="244329"/>
+          </a:xfrm>
+          <a:prstGeom prst="straightConnector1">
+            <a:avLst/>
+          </a:prstGeom>
+          <a:ln w="57150">
+            <a:tailEnd type="triangle"/>
+          </a:ln>
+        </p:spPr>
+        <p:style>
+          <a:lnRef idx="1">
+            <a:schemeClr val="accent1"/>
+          </a:lnRef>
+          <a:fillRef idx="0">
+            <a:schemeClr val="accent1"/>
+          </a:fillRef>
+          <a:effectRef idx="0">
+            <a:schemeClr val="accent1"/>
+          </a:effectRef>
+          <a:fontRef idx="minor">
+            <a:schemeClr val="tx1"/>
+          </a:fontRef>
+        </p:style>
+      </p:cxnSp>
+      <p:sp>
+        <p:nvSpPr>
+          <p:cNvPr id="16" name="ZoneTexte 15">
+            <a:extLst>
+              <a:ext uri="{FF2B5EF4-FFF2-40B4-BE49-F238E27FC236}">
+                <a16:creationId xmlns:a16="http://schemas.microsoft.com/office/drawing/2014/main" id="{BAB5807B-E28C-3774-B4F9-AF381AC5DFCA}"/>
+              </a:ext>
+            </a:extLst>
+          </p:cNvPr>
+          <p:cNvSpPr txBox="1"/>
+          <p:nvPr/>
+        </p:nvSpPr>
+        <p:spPr>
+          <a:xfrm>
+            <a:off x="3398363" y="1912442"/>
+            <a:ext cx="3744013" cy="430887"/>
+          </a:xfrm>
+          <a:prstGeom prst="rect">
+            <a:avLst/>
+          </a:prstGeom>
+          <a:noFill/>
+        </p:spPr>
+        <p:txBody>
+          <a:bodyPr wrap="square" rtlCol="0">
+            <a:spAutoFit/>
+          </a:bodyPr>
+          <a:lstStyle/>
+          <a:p>
+            <a:pPr marL="285750" indent="-285750">
+              <a:buFont typeface="Arial" panose="020B0604020202020204" pitchFamily="34" charset="0"/>
+              <a:buChar char="•"/>
+            </a:pPr>
+            <a:r>
+              <a:rPr lang="fr-FR" sz="1100" dirty="0"/>
+              <a:t>Données modifiables (</a:t>
+            </a:r>
+            <a:r>
+              <a:rPr lang="fr-FR" sz="1100" dirty="0" err="1"/>
+              <a:t>mdp</a:t>
+            </a:r>
+            <a:r>
+              <a:rPr lang="fr-FR" sz="1100" dirty="0"/>
+              <a:t>, </a:t>
+            </a:r>
+            <a:r>
+              <a:rPr lang="fr-FR" sz="1100" dirty="0" err="1"/>
+              <a:t>username</a:t>
+            </a:r>
+            <a:r>
+              <a:rPr lang="fr-FR" sz="1100" dirty="0"/>
+              <a:t>, </a:t>
+            </a:r>
+            <a:r>
+              <a:rPr lang="fr-FR" sz="1100" dirty="0" err="1"/>
+              <a:t>refresh</a:t>
+            </a:r>
+            <a:r>
+              <a:rPr lang="fr-FR" sz="1100" dirty="0"/>
+              <a:t> rate</a:t>
+            </a:r>
+          </a:p>
+          <a:p>
+            <a:pPr marL="285750" indent="-285750">
+              <a:buFont typeface="Arial" panose="020B0604020202020204" pitchFamily="34" charset="0"/>
+              <a:buChar char="•"/>
+            </a:pPr>
+            <a:r>
+              <a:rPr lang="fr-FR" sz="1100" dirty="0"/>
+              <a:t>url des data sources, possibilité d’en ajouter</a:t>
+            </a:r>
+          </a:p>
+        </p:txBody>
+      </p:sp>
+      <p:cxnSp>
+        <p:nvCxnSpPr>
+          <p:cNvPr id="17" name="Connecteur droit avec flèche 16">
+            <a:extLst>
+              <a:ext uri="{FF2B5EF4-FFF2-40B4-BE49-F238E27FC236}">
+                <a16:creationId xmlns:a16="http://schemas.microsoft.com/office/drawing/2014/main" id="{69C53A62-D501-ED9B-4765-098669E525D4}"/>
+              </a:ext>
+            </a:extLst>
+          </p:cNvPr>
+          <p:cNvCxnSpPr>
+            <a:cxnSpLocks/>
+          </p:cNvCxnSpPr>
+          <p:nvPr/>
+        </p:nvCxnSpPr>
+        <p:spPr>
+          <a:xfrm flipV="1">
+            <a:off x="2036191" y="2908168"/>
+            <a:ext cx="1286758" cy="88131"/>
+          </a:xfrm>
+          <a:prstGeom prst="straightConnector1">
+            <a:avLst/>
+          </a:prstGeom>
+          <a:ln w="57150">
+            <a:tailEnd type="triangle"/>
+          </a:ln>
+        </p:spPr>
+        <p:style>
+          <a:lnRef idx="1">
+            <a:schemeClr val="accent1"/>
+          </a:lnRef>
+          <a:fillRef idx="0">
+            <a:schemeClr val="accent1"/>
+          </a:fillRef>
+          <a:effectRef idx="0">
+            <a:schemeClr val="accent1"/>
+          </a:effectRef>
+          <a:fontRef idx="minor">
+            <a:schemeClr val="tx1"/>
+          </a:fontRef>
+        </p:style>
+      </p:cxnSp>
+      <p:sp>
+        <p:nvSpPr>
+          <p:cNvPr id="18" name="ZoneTexte 17">
+            <a:extLst>
+              <a:ext uri="{FF2B5EF4-FFF2-40B4-BE49-F238E27FC236}">
+                <a16:creationId xmlns:a16="http://schemas.microsoft.com/office/drawing/2014/main" id="{421EAB3D-4E37-0B6D-9D2F-507518C86DE7}"/>
+              </a:ext>
+            </a:extLst>
+          </p:cNvPr>
+          <p:cNvSpPr txBox="1"/>
+          <p:nvPr/>
+        </p:nvSpPr>
+        <p:spPr>
+          <a:xfrm>
+            <a:off x="3398363" y="2611578"/>
+            <a:ext cx="3668600" cy="769441"/>
+          </a:xfrm>
+          <a:prstGeom prst="rect">
+            <a:avLst/>
+          </a:prstGeom>
+          <a:noFill/>
+        </p:spPr>
+        <p:txBody>
+          <a:bodyPr wrap="square" rtlCol="0">
+            <a:spAutoFit/>
+          </a:bodyPr>
+          <a:lstStyle/>
+          <a:p>
+            <a:pPr marL="285750" indent="-285750">
+              <a:buFont typeface="Arial" panose="020B0604020202020204" pitchFamily="34" charset="0"/>
+              <a:buChar char="•"/>
+            </a:pPr>
+            <a:r>
+              <a:rPr lang="fr-FR" sz="1100" dirty="0"/>
+              <a:t>Contient toutes les méthodes</a:t>
+            </a:r>
+          </a:p>
+          <a:p>
+            <a:pPr marL="285750" indent="-285750">
+              <a:buFont typeface="Arial" panose="020B0604020202020204" pitchFamily="34" charset="0"/>
+              <a:buChar char="•"/>
+            </a:pPr>
+            <a:r>
+              <a:rPr lang="fr-FR" sz="1100" dirty="0"/>
+              <a:t>Selon le type de sources (Données incrémentales, données à changement lent, …) il est possible de choisir si l’on veut </a:t>
+            </a:r>
+            <a:r>
+              <a:rPr lang="fr-FR" sz="1100" dirty="0" err="1"/>
+              <a:t>truncate</a:t>
+            </a:r>
+            <a:r>
+              <a:rPr lang="fr-FR" sz="1100" dirty="0"/>
+              <a:t> la table ou non</a:t>
+            </a:r>
+          </a:p>
+        </p:txBody>
+      </p:sp>
+      <p:pic>
+        <p:nvPicPr>
+          <p:cNvPr id="7" name="Image 6">
+            <a:extLst>
+              <a:ext uri="{FF2B5EF4-FFF2-40B4-BE49-F238E27FC236}">
+                <a16:creationId xmlns:a16="http://schemas.microsoft.com/office/drawing/2014/main" id="{B9A5341D-DAF4-DA95-6FB7-9E0D9FB56368}"/>
+              </a:ext>
+            </a:extLst>
+          </p:cNvPr>
+          <p:cNvPicPr>
+            <a:picLocks noChangeAspect="1"/>
+          </p:cNvPicPr>
+          <p:nvPr/>
+        </p:nvPicPr>
+        <p:blipFill>
+          <a:blip r:embed="rId3"/>
+          <a:stretch>
+            <a:fillRect/>
+          </a:stretch>
+        </p:blipFill>
+        <p:spPr>
+          <a:xfrm>
+            <a:off x="3478491" y="3780213"/>
+            <a:ext cx="2145216" cy="1710838"/>
+          </a:xfrm>
+          <a:prstGeom prst="rect">
+            <a:avLst/>
+          </a:prstGeom>
+        </p:spPr>
+      </p:pic>
+      <p:sp>
+        <p:nvSpPr>
+          <p:cNvPr id="10" name="ZoneTexte 9">
+            <a:extLst>
+              <a:ext uri="{FF2B5EF4-FFF2-40B4-BE49-F238E27FC236}">
+                <a16:creationId xmlns:a16="http://schemas.microsoft.com/office/drawing/2014/main" id="{89808546-A30A-AB76-FCB7-9C19141C798C}"/>
+              </a:ext>
+            </a:extLst>
+          </p:cNvPr>
+          <p:cNvSpPr txBox="1"/>
+          <p:nvPr/>
+        </p:nvSpPr>
+        <p:spPr>
+          <a:xfrm>
+            <a:off x="6834434" y="4332532"/>
+            <a:ext cx="3668600" cy="261610"/>
+          </a:xfrm>
+          <a:prstGeom prst="rect">
+            <a:avLst/>
+          </a:prstGeom>
+          <a:noFill/>
+        </p:spPr>
+        <p:txBody>
+          <a:bodyPr wrap="square" rtlCol="0">
+            <a:spAutoFit/>
+          </a:bodyPr>
+          <a:lstStyle/>
+          <a:p>
+            <a:pPr marL="285750" indent="-285750">
+              <a:buFont typeface="Arial" panose="020B0604020202020204" pitchFamily="34" charset="0"/>
+              <a:buChar char="•"/>
+            </a:pPr>
+            <a:r>
+              <a:rPr lang="fr-FR" sz="1100" dirty="0"/>
+              <a:t>Approche par module</a:t>
+            </a:r>
+          </a:p>
+        </p:txBody>
+      </p:sp>
+      <p:cxnSp>
+        <p:nvCxnSpPr>
+          <p:cNvPr id="11" name="Connecteur droit avec flèche 10">
+            <a:extLst>
+              <a:ext uri="{FF2B5EF4-FFF2-40B4-BE49-F238E27FC236}">
+                <a16:creationId xmlns:a16="http://schemas.microsoft.com/office/drawing/2014/main" id="{7B2300A3-A309-744F-BB80-D01DEC304CEE}"/>
+              </a:ext>
+            </a:extLst>
+          </p:cNvPr>
+          <p:cNvCxnSpPr>
+            <a:cxnSpLocks/>
+          </p:cNvCxnSpPr>
+          <p:nvPr/>
+        </p:nvCxnSpPr>
+        <p:spPr>
+          <a:xfrm flipV="1">
+            <a:off x="5491115" y="4506011"/>
+            <a:ext cx="1286758" cy="88131"/>
+          </a:xfrm>
+          <a:prstGeom prst="straightConnector1">
+            <a:avLst/>
+          </a:prstGeom>
+          <a:ln w="57150">
+            <a:tailEnd type="triangle"/>
+          </a:ln>
+        </p:spPr>
+        <p:style>
+          <a:lnRef idx="1">
+            <a:schemeClr val="accent1"/>
+          </a:lnRef>
+          <a:fillRef idx="0">
+            <a:schemeClr val="accent1"/>
+          </a:fillRef>
+          <a:effectRef idx="0">
+            <a:schemeClr val="accent1"/>
+          </a:effectRef>
+          <a:fontRef idx="minor">
+            <a:schemeClr val="tx1"/>
+          </a:fontRef>
+        </p:style>
+      </p:cxnSp>
+    </p:spTree>
+    <p:extLst>
+      <p:ext uri="{BB962C8B-B14F-4D97-AF65-F5344CB8AC3E}">
+        <p14:creationId xmlns:p14="http://schemas.microsoft.com/office/powerpoint/2010/main" val="1549810085"/>
+      </p:ext>
+    </p:extLst>
+  </p:cSld>
+  <p:clrMapOvr>
+    <a:masterClrMapping/>
+  </p:clrMapOvr>
+</p:sld>
+</file>
+
+<file path=ppt/slides/slide7.xml><?xml version="1.0" encoding="utf-8"?>
+<p:sld xmlns:a="http://schemas.openxmlformats.org/drawingml/2006/main" xmlns:r="http://schemas.openxmlformats.org/officeDocument/2006/relationships" xmlns:p="http://schemas.openxmlformats.org/presentationml/2006/main">
+  <p:cSld>
+    <p:spTree>
+      <p:nvGrpSpPr>
+        <p:cNvPr id="1" name=""/>
+        <p:cNvGrpSpPr/>
+        <p:nvPr/>
+      </p:nvGrpSpPr>
+      <p:grpSpPr>
+        <a:xfrm>
+          <a:off x="0" y="0"/>
+          <a:ext cx="0" cy="0"/>
+          <a:chOff x="0" y="0"/>
+          <a:chExt cx="0" cy="0"/>
+        </a:xfrm>
+      </p:grpSpPr>
+      <p:sp>
+        <p:nvSpPr>
+          <p:cNvPr id="2" name="Titre 1">
+            <a:extLst>
+              <a:ext uri="{FF2B5EF4-FFF2-40B4-BE49-F238E27FC236}">
+                <a16:creationId xmlns:a16="http://schemas.microsoft.com/office/drawing/2014/main" id="{6B2038E8-E7D5-CBF8-0FE1-F55A18AE21BF}"/>
+              </a:ext>
+            </a:extLst>
+          </p:cNvPr>
+          <p:cNvSpPr>
+            <a:spLocks noGrp="1"/>
+          </p:cNvSpPr>
+          <p:nvPr>
+            <p:ph type="title"/>
+          </p:nvPr>
+        </p:nvSpPr>
+        <p:spPr/>
+        <p:txBody>
+          <a:bodyPr/>
+          <a:lstStyle/>
+          <a:p>
+            <a:r>
+              <a:rPr lang="fr-FR" dirty="0"/>
               <a:t>Problèmes rencontrés</a:t>
             </a:r>
           </a:p>
@@ -5688,7 +6174,9 @@
         </p:nvSpPr>
         <p:spPr/>
         <p:txBody>
-          <a:bodyPr/>
+          <a:bodyPr>
+            <a:normAutofit/>
+          </a:bodyPr>
           <a:lstStyle/>
           <a:p>
             <a:pPr marL="514350" indent="-514350">
@@ -5696,17 +6184,135 @@
               <a:buAutoNum type="arabicPeriod"/>
             </a:pPr>
             <a:r>
-              <a:rPr lang="fr-FR"/>
-              <a:t>Gérer l’encodage des </a:t>
-            </a:r>
-            <a:endParaRPr lang="fr-FR" dirty="0"/>
+              <a:rPr lang="fr-FR" sz="1800" dirty="0"/>
+              <a:t>Gestion des csv – get_data_sources.py</a:t>
+            </a:r>
+          </a:p>
+          <a:p>
+            <a:pPr lvl="1"/>
+            <a:r>
+              <a:rPr lang="fr-FR" sz="1100" dirty="0"/>
+              <a:t>Certains csv sont en utf-8 un autre en csv </a:t>
+            </a:r>
+            <a:r>
+              <a:rPr lang="fr-FR" sz="1100" dirty="0" err="1"/>
+              <a:t>text</a:t>
+            </a:r>
+            <a:r>
+              <a:rPr lang="fr-FR" sz="1100" dirty="0"/>
+              <a:t>. J’ai fait le choix de ne pas gérer l’encodage du fichier. </a:t>
+            </a:r>
+          </a:p>
+          <a:p>
+            <a:pPr lvl="1"/>
+            <a:r>
+              <a:rPr lang="fr-FR" sz="1100" dirty="0"/>
+              <a:t>Un csv contenait un délimiteur différent des autres. J’ai géré ce délimiteur à part</a:t>
+            </a:r>
+          </a:p>
+          <a:p>
+            <a:pPr lvl="1"/>
+            <a:r>
+              <a:rPr lang="fr-FR" sz="1100" dirty="0"/>
+              <a:t>Certaines lignes ne permettaient par un </a:t>
+            </a:r>
+            <a:r>
+              <a:rPr lang="fr-FR" sz="1100" dirty="0" err="1"/>
+              <a:t>parsing</a:t>
+            </a:r>
+            <a:r>
+              <a:rPr lang="fr-FR" sz="1100" dirty="0"/>
+              <a:t> simple, j’ai appliqué l’argument </a:t>
+            </a:r>
+            <a:r>
+              <a:rPr lang="fr-FR" sz="1000" b="0" dirty="0" err="1">
+                <a:solidFill>
+                  <a:srgbClr val="9CDCFE"/>
+                </a:solidFill>
+                <a:effectLst/>
+                <a:latin typeface="Consolas" panose="020B0609020204030204" pitchFamily="49" charset="0"/>
+              </a:rPr>
+              <a:t>on_bad_lines</a:t>
+            </a:r>
+            <a:r>
+              <a:rPr lang="fr-FR" sz="1000" b="0" dirty="0">
+                <a:solidFill>
+                  <a:srgbClr val="D4D4D4"/>
+                </a:solidFill>
+                <a:effectLst/>
+                <a:latin typeface="Consolas" panose="020B0609020204030204" pitchFamily="49" charset="0"/>
+              </a:rPr>
+              <a:t>=</a:t>
+            </a:r>
+            <a:r>
+              <a:rPr lang="fr-FR" sz="1000" b="0" dirty="0">
+                <a:solidFill>
+                  <a:srgbClr val="CE9178"/>
+                </a:solidFill>
+                <a:effectLst/>
+                <a:latin typeface="Consolas" panose="020B0609020204030204" pitchFamily="49" charset="0"/>
+              </a:rPr>
+              <a:t>'skip’ </a:t>
+            </a:r>
+            <a:r>
+              <a:rPr lang="fr-FR" sz="1000" dirty="0"/>
+              <a:t>pour ne pas rester bloqué. J’ai constaté que je perdais 2% des datas ce qui n’était pas significatif</a:t>
+            </a:r>
+            <a:endParaRPr lang="fr-FR" sz="1000" dirty="0">
+              <a:solidFill>
+                <a:srgbClr val="D4D4D4"/>
+              </a:solidFill>
+              <a:latin typeface="Consolas" panose="020B0609020204030204" pitchFamily="49" charset="0"/>
+            </a:endParaRPr>
+          </a:p>
+          <a:p>
+            <a:pPr marL="0" indent="0">
+              <a:buNone/>
+            </a:pPr>
+            <a:endParaRPr lang="fr-FR" sz="1600" dirty="0"/>
+          </a:p>
+          <a:p>
+            <a:pPr marL="342900" indent="-342900">
+              <a:buFont typeface="+mj-lt"/>
+              <a:buAutoNum type="arabicPeriod"/>
+            </a:pPr>
+            <a:r>
+              <a:rPr lang="fr-FR" sz="1800" dirty="0"/>
+              <a:t>Qualité de la donnée</a:t>
+            </a:r>
+          </a:p>
+          <a:p>
+            <a:pPr lvl="1"/>
+            <a:r>
+              <a:rPr lang="fr-FR" sz="1400" dirty="0"/>
+              <a:t>Données géo peu intéressantes =&gt; Ajout du référentiel géo de data </a:t>
+            </a:r>
+            <a:r>
+              <a:rPr lang="fr-FR" sz="1400" dirty="0" err="1"/>
+              <a:t>gouv</a:t>
+            </a:r>
+            <a:r>
+              <a:rPr lang="fr-FR" sz="1400" dirty="0"/>
+              <a:t> pour faire parler la data</a:t>
+            </a:r>
+          </a:p>
+          <a:p>
+            <a:pPr lvl="1"/>
+            <a:r>
+              <a:rPr lang="fr-FR" sz="1400" dirty="0"/>
+              <a:t>Identifiant unique des centres vaccinaux pas toujours présent =&gt; Regroupement dans une catégorie « Sans GID »</a:t>
+            </a:r>
+          </a:p>
+          <a:p>
+            <a:pPr lvl="1"/>
+            <a:endParaRPr lang="fr-FR" sz="1400" dirty="0"/>
           </a:p>
         </p:txBody>
       </p:sp>
     </p:spTree>
     <p:extLst>
       <p:ext uri="{BB962C8B-B14F-4D97-AF65-F5344CB8AC3E}">
-        <p14:creationId xmlns:p14="http://schemas.microsoft.com/office/powerpoint/2010/main" val="1549810085"/>
+        <p14:creationId xmlns:p14="http://schemas.microsoft.com/office/powerpoint/2010/main" val="1186748577"/>
       </p:ext>
     </p:extLst>
   </p:cSld>

--- a/présentation.pptx
+++ b/présentation.pptx
@@ -5,7 +5,7 @@
     <p:sldMasterId id="2147483648" r:id="rId1"/>
   </p:sldMasterIdLst>
   <p:notesMasterIdLst>
-    <p:notesMasterId r:id="rId9"/>
+    <p:notesMasterId r:id="rId11"/>
   </p:notesMasterIdLst>
   <p:sldIdLst>
     <p:sldId id="256" r:id="rId2"/>
@@ -15,6 +15,8 @@
     <p:sldId id="261" r:id="rId6"/>
     <p:sldId id="263" r:id="rId7"/>
     <p:sldId id="264" r:id="rId8"/>
+    <p:sldId id="265" r:id="rId9"/>
+    <p:sldId id="266" r:id="rId10"/>
   </p:sldIdLst>
   <p:sldSz cx="12192000" cy="6858000"/>
   <p:notesSz cx="6858000" cy="9144000"/>
@@ -3934,7 +3936,7 @@
             </a:pPr>
             <a:r>
               <a:rPr lang="fr-FR" dirty="0"/>
-              <a:t>Problèmes rencontrés</a:t>
+              <a:t>Problèmes et Solutions</a:t>
             </a:r>
           </a:p>
           <a:p>
@@ -5370,8 +5372,8 @@
         </p:nvSpPr>
         <p:spPr>
           <a:xfrm>
-            <a:off x="4433567" y="356203"/>
-            <a:ext cx="7758433" cy="2862322"/>
+            <a:off x="4433567" y="222333"/>
+            <a:ext cx="7758433" cy="3693319"/>
           </a:xfrm>
           <a:prstGeom prst="rect">
             <a:avLst/>
@@ -5501,7 +5503,40 @@
               <a:rPr lang="fr-FR" i="1" dirty="0" err="1"/>
               <a:t>refresh</a:t>
             </a:r>
-            <a:endParaRPr lang="fr-FR" i="1" dirty="0"/>
+            <a:r>
+              <a:rPr lang="fr-FR" i="1" dirty="0"/>
+              <a:t> – </a:t>
+            </a:r>
+          </a:p>
+          <a:p>
+            <a:pPr marL="1200150" lvl="2" indent="-285750">
+              <a:buFont typeface="Arial" panose="020B0604020202020204" pitchFamily="34" charset="0"/>
+              <a:buChar char="•"/>
+            </a:pPr>
+            <a:r>
+              <a:rPr lang="fr-FR" i="1" dirty="0" err="1"/>
+              <a:t>Refresh</a:t>
+            </a:r>
+            <a:r>
+              <a:rPr lang="fr-FR" i="1" dirty="0"/>
+              <a:t> tous les 1h – Toutes les tables sont </a:t>
+            </a:r>
+            <a:r>
+              <a:rPr lang="fr-FR" i="1" dirty="0" err="1"/>
+              <a:t>refresh</a:t>
+            </a:r>
+            <a:r>
+              <a:rPr lang="fr-FR" i="1" dirty="0"/>
+              <a:t> toutes les 1h. Il aurait été possible d’avoir une gestion plus fine des </a:t>
+            </a:r>
+            <a:r>
+              <a:rPr lang="fr-FR" i="1" dirty="0" err="1"/>
+              <a:t>refresh</a:t>
+            </a:r>
+            <a:r>
+              <a:rPr lang="fr-FR" i="1" dirty="0"/>
+              <a:t> selon l’actualisation </a:t>
+            </a:r>
           </a:p>
         </p:txBody>
       </p:sp>
@@ -5565,13 +5600,12 @@
           </p:cNvPr>
           <p:cNvCxnSpPr>
             <a:cxnSpLocks/>
-            <a:endCxn id="13" idx="1"/>
           </p:cNvCxnSpPr>
           <p:nvPr/>
         </p:nvCxnSpPr>
         <p:spPr>
           <a:xfrm flipV="1">
-            <a:off x="7228788" y="5298838"/>
+            <a:off x="7228788" y="5341259"/>
             <a:ext cx="1115771" cy="7268"/>
           </a:xfrm>
           <a:prstGeom prst="straightConnector1">
@@ -6151,7 +6185,7 @@
           <a:p>
             <a:r>
               <a:rPr lang="fr-FR" dirty="0"/>
-              <a:t>Problèmes rencontrés</a:t>
+              <a:t>Problèmes et Solutions</a:t>
             </a:r>
           </a:p>
         </p:txBody>
@@ -6172,7 +6206,12 @@
             <p:ph idx="1"/>
           </p:nvPr>
         </p:nvSpPr>
-        <p:spPr/>
+        <p:spPr>
+          <a:xfrm>
+            <a:off x="838200" y="1616697"/>
+            <a:ext cx="11063140" cy="4986779"/>
+          </a:xfrm>
+        </p:spPr>
         <p:txBody>
           <a:bodyPr>
             <a:normAutofit/>
@@ -6200,14 +6239,14 @@
             </a:r>
             <a:r>
               <a:rPr lang="fr-FR" sz="1100" dirty="0"/>
-              <a:t>. J’ai fait le choix de ne pas gérer l’encodage du fichier. </a:t>
+              <a:t> =&gt; Ne pas gérer l’encodage du fichier pour ne pas rester bloquer</a:t>
             </a:r>
           </a:p>
           <a:p>
             <a:pPr lvl="1"/>
             <a:r>
               <a:rPr lang="fr-FR" sz="1100" dirty="0"/>
-              <a:t>Un csv contenait un délimiteur différent des autres. J’ai géré ce délimiteur à part</a:t>
+              <a:t>Un csv contenait un délimiteur différent des autres =&gt; J’ai géré ce fichier à part</a:t>
             </a:r>
           </a:p>
           <a:p>
@@ -6225,7 +6264,7 @@
               <a:t> simple, j’ai appliqué l’argument </a:t>
             </a:r>
             <a:r>
-              <a:rPr lang="fr-FR" sz="1000" b="0" dirty="0" err="1">
+              <a:rPr lang="fr-FR" sz="1100" b="0" dirty="0" err="1">
                 <a:solidFill>
                   <a:srgbClr val="9CDCFE"/>
                 </a:solidFill>
@@ -6235,7 +6274,7 @@
               <a:t>on_bad_lines</a:t>
             </a:r>
             <a:r>
-              <a:rPr lang="fr-FR" sz="1000" b="0" dirty="0">
+              <a:rPr lang="fr-FR" sz="1100" b="0" dirty="0">
                 <a:solidFill>
                   <a:srgbClr val="D4D4D4"/>
                 </a:solidFill>
@@ -6245,6 +6284,512 @@
               <a:t>=</a:t>
             </a:r>
             <a:r>
+              <a:rPr lang="fr-FR" sz="1100" b="0" dirty="0">
+                <a:solidFill>
+                  <a:srgbClr val="CE9178"/>
+                </a:solidFill>
+                <a:effectLst/>
+                <a:latin typeface="Consolas" panose="020B0609020204030204" pitchFamily="49" charset="0"/>
+              </a:rPr>
+              <a:t>'skip’ </a:t>
+            </a:r>
+            <a:r>
+              <a:rPr lang="fr-FR" sz="1100" dirty="0"/>
+              <a:t>pour ne pas rester bloqué. J’ai constaté que je perdais 2% des datas ce qui n’était pas significatif et pouvait être optimisé dans un second temps</a:t>
+            </a:r>
+          </a:p>
+          <a:p>
+            <a:pPr marL="342900" indent="-342900">
+              <a:buFont typeface="+mj-lt"/>
+              <a:buAutoNum type="arabicPeriod"/>
+            </a:pPr>
+            <a:r>
+              <a:rPr lang="fr-FR" sz="1800" dirty="0"/>
+              <a:t>Qualité de la donnée</a:t>
+            </a:r>
+          </a:p>
+          <a:p>
+            <a:pPr lvl="1"/>
+            <a:r>
+              <a:rPr lang="fr-FR" sz="1100" dirty="0"/>
+              <a:t>Données géo peu intéressantes =&gt; </a:t>
+            </a:r>
+            <a:r>
+              <a:rPr lang="fr-FR" sz="1100" b="1" dirty="0"/>
+              <a:t>Ajout du référentiel géo </a:t>
+            </a:r>
+            <a:r>
+              <a:rPr lang="fr-FR" sz="1100" dirty="0"/>
+              <a:t>de data </a:t>
+            </a:r>
+            <a:r>
+              <a:rPr lang="fr-FR" sz="1100" dirty="0" err="1"/>
+              <a:t>gouv</a:t>
+            </a:r>
+            <a:r>
+              <a:rPr lang="fr-FR" sz="1100" dirty="0"/>
+              <a:t> pour faire parler la data</a:t>
+            </a:r>
+          </a:p>
+          <a:p>
+            <a:pPr lvl="1"/>
+            <a:r>
+              <a:rPr lang="fr-FR" sz="1100" dirty="0"/>
+              <a:t>Identifiant unique des centres vaccinaux pas toujours présent =&gt; </a:t>
+            </a:r>
+            <a:r>
+              <a:rPr lang="fr-FR" sz="1100" b="1" dirty="0"/>
+              <a:t>Regroupement</a:t>
+            </a:r>
+            <a:r>
+              <a:rPr lang="fr-FR" sz="1100" dirty="0"/>
+              <a:t> dans une catégorie « Sans GID »</a:t>
+            </a:r>
+          </a:p>
+          <a:p>
+            <a:pPr marL="342900" indent="-342900">
+              <a:buFont typeface="+mj-lt"/>
+              <a:buAutoNum type="arabicPeriod"/>
+            </a:pPr>
+            <a:r>
+              <a:rPr lang="fr-FR" sz="1800" dirty="0"/>
+              <a:t>Requêtes SQL </a:t>
+            </a:r>
+          </a:p>
+          <a:p>
+            <a:pPr lvl="1"/>
+            <a:r>
+              <a:rPr lang="fr-FR" sz="1100" dirty="0"/>
+              <a:t>Où les requêtes doivent elles s’exécuter ? =&gt; J’ai choisi de les </a:t>
+            </a:r>
+            <a:r>
+              <a:rPr lang="fr-FR" sz="1100" b="1" dirty="0"/>
+              <a:t>intégrer directement dans les scripts python </a:t>
+            </a:r>
+            <a:r>
+              <a:rPr lang="fr-FR" sz="1100" dirty="0"/>
+              <a:t>afin de pouvoir les </a:t>
+            </a:r>
+            <a:r>
+              <a:rPr lang="fr-FR" sz="1100" b="1" dirty="0"/>
+              <a:t>gérer dans le contrôle de version </a:t>
+            </a:r>
+            <a:r>
+              <a:rPr lang="fr-FR" sz="1100" dirty="0"/>
+              <a:t>afin d’augmenter la </a:t>
+            </a:r>
+            <a:r>
+              <a:rPr lang="fr-FR" sz="1100" b="1" dirty="0"/>
+              <a:t>maintenabilité</a:t>
+            </a:r>
+          </a:p>
+          <a:p>
+            <a:pPr marL="342900" indent="-342900">
+              <a:buFont typeface="+mj-lt"/>
+              <a:buAutoNum type="arabicPeriod"/>
+            </a:pPr>
+            <a:r>
+              <a:rPr lang="fr-FR" sz="1800" dirty="0"/>
+              <a:t>Hébergement du pipeline / DB</a:t>
+            </a:r>
+          </a:p>
+          <a:p>
+            <a:pPr lvl="1"/>
+            <a:r>
+              <a:rPr lang="fr-FR" sz="1100" dirty="0"/>
+              <a:t>Plusieurs solutions peuvent être mises en place =&gt; un </a:t>
+            </a:r>
+            <a:r>
+              <a:rPr lang="fr-FR" sz="1100" b="1" dirty="0"/>
+              <a:t>cloud public</a:t>
+            </a:r>
+            <a:r>
+              <a:rPr lang="fr-FR" sz="1100" dirty="0"/>
+              <a:t> serait un bonne solution pour </a:t>
+            </a:r>
+            <a:r>
+              <a:rPr lang="fr-FR" sz="1100" b="1" dirty="0"/>
+              <a:t>ne pas avoir à manager le hardware </a:t>
+            </a:r>
+            <a:r>
+              <a:rPr lang="fr-FR" sz="1100" dirty="0"/>
+              <a:t>et avoir des </a:t>
+            </a:r>
+            <a:r>
+              <a:rPr lang="fr-FR" sz="1100" b="1" dirty="0"/>
+              <a:t>coûts optimisés</a:t>
+            </a:r>
+            <a:endParaRPr lang="fr-FR" sz="1500" b="1" dirty="0"/>
+          </a:p>
+          <a:p>
+            <a:pPr marL="342900" indent="-342900">
+              <a:buFont typeface="+mj-lt"/>
+              <a:buAutoNum type="arabicPeriod"/>
+            </a:pPr>
+            <a:r>
+              <a:rPr lang="fr-FR" sz="1800" dirty="0"/>
+              <a:t>Pour aller plus loin</a:t>
+            </a:r>
+          </a:p>
+          <a:p>
+            <a:pPr lvl="1"/>
+            <a:r>
+              <a:rPr lang="fr-FR" sz="1100" dirty="0"/>
+              <a:t>Le code ne gère actuellement pas les exceptions. S’il y a une erreur le programme s’arrête. J’aurais pu implémenter une logique de </a:t>
+            </a:r>
+            <a:r>
+              <a:rPr lang="fr-FR" sz="1100" dirty="0" err="1"/>
+              <a:t>retry</a:t>
+            </a:r>
+            <a:r>
+              <a:rPr lang="fr-FR" sz="1100" dirty="0"/>
+              <a:t> et un mailer selon des critères spécifiques (mail au succès, </a:t>
+            </a:r>
+            <a:r>
+              <a:rPr lang="fr-FR" sz="1100" dirty="0" err="1"/>
+              <a:t>retry</a:t>
+            </a:r>
+            <a:r>
+              <a:rPr lang="fr-FR" sz="1100" dirty="0"/>
+              <a:t> et/ou </a:t>
+            </a:r>
+            <a:r>
+              <a:rPr lang="fr-FR" sz="1100" dirty="0" err="1"/>
+              <a:t>failure</a:t>
+            </a:r>
+            <a:r>
+              <a:rPr lang="fr-FR" sz="1100" dirty="0"/>
+              <a:t>) et un journal des erreurs pour faciliter la résolution de problèmes.</a:t>
+            </a:r>
+          </a:p>
+          <a:p>
+            <a:pPr lvl="1"/>
+            <a:r>
+              <a:rPr lang="fr-FR" sz="1100" dirty="0"/>
+              <a:t>Documenter plus le pipeline</a:t>
+            </a:r>
+          </a:p>
+          <a:p>
+            <a:pPr lvl="1"/>
+            <a:r>
+              <a:rPr lang="fr-FR" sz="1100" dirty="0"/>
+              <a:t>Avoir un log des performances de l’exécution du pipeline</a:t>
+            </a:r>
+          </a:p>
+          <a:p>
+            <a:pPr lvl="1"/>
+            <a:r>
+              <a:rPr lang="fr-FR" sz="1100" dirty="0"/>
+              <a:t>Back up de la </a:t>
+            </a:r>
+            <a:r>
+              <a:rPr lang="fr-FR" sz="1100" dirty="0" err="1"/>
+              <a:t>db</a:t>
+            </a:r>
+            <a:r>
+              <a:rPr lang="fr-FR" sz="1100" dirty="0"/>
+              <a:t> à chaque </a:t>
+            </a:r>
+            <a:r>
+              <a:rPr lang="fr-FR" sz="1100" dirty="0" err="1"/>
+              <a:t>refresh</a:t>
+            </a:r>
+            <a:endParaRPr lang="fr-FR" sz="1100" dirty="0"/>
+          </a:p>
+        </p:txBody>
+      </p:sp>
+      <p:sp>
+        <p:nvSpPr>
+          <p:cNvPr id="4" name="Rectangle 3">
+            <a:extLst>
+              <a:ext uri="{FF2B5EF4-FFF2-40B4-BE49-F238E27FC236}">
+                <a16:creationId xmlns:a16="http://schemas.microsoft.com/office/drawing/2014/main" id="{548D4AF5-0A2C-4539-602E-436C7F92D435}"/>
+              </a:ext>
+            </a:extLst>
+          </p:cNvPr>
+          <p:cNvSpPr/>
+          <p:nvPr/>
+        </p:nvSpPr>
+        <p:spPr>
+          <a:xfrm>
+            <a:off x="1" y="-42420"/>
+            <a:ext cx="12192000" cy="565608"/>
+          </a:xfrm>
+          <a:prstGeom prst="rect">
+            <a:avLst/>
+          </a:prstGeom>
+        </p:spPr>
+        <p:style>
+          <a:lnRef idx="2">
+            <a:schemeClr val="accent1">
+              <a:shade val="50000"/>
+            </a:schemeClr>
+          </a:lnRef>
+          <a:fillRef idx="1">
+            <a:schemeClr val="accent1"/>
+          </a:fillRef>
+          <a:effectRef idx="0">
+            <a:schemeClr val="accent1"/>
+          </a:effectRef>
+          <a:fontRef idx="minor">
+            <a:schemeClr val="lt1"/>
+          </a:fontRef>
+        </p:style>
+        <p:txBody>
+          <a:bodyPr rtlCol="0" anchor="ctr"/>
+          <a:lstStyle/>
+          <a:p>
+            <a:pPr algn="ctr"/>
+            <a:r>
+              <a:rPr lang="fr-FR" dirty="0"/>
+              <a:t>Data pipeline</a:t>
+            </a:r>
+          </a:p>
+        </p:txBody>
+      </p:sp>
+    </p:spTree>
+    <p:extLst>
+      <p:ext uri="{BB962C8B-B14F-4D97-AF65-F5344CB8AC3E}">
+        <p14:creationId xmlns:p14="http://schemas.microsoft.com/office/powerpoint/2010/main" val="1186748577"/>
+      </p:ext>
+    </p:extLst>
+  </p:cSld>
+  <p:clrMapOvr>
+    <a:masterClrMapping/>
+  </p:clrMapOvr>
+</p:sld>
+</file>
+
+<file path=ppt/slides/slide8.xml><?xml version="1.0" encoding="utf-8"?>
+<p:sld xmlns:a="http://schemas.openxmlformats.org/drawingml/2006/main" xmlns:r="http://schemas.openxmlformats.org/officeDocument/2006/relationships" xmlns:p="http://schemas.openxmlformats.org/presentationml/2006/main">
+  <p:cSld>
+    <p:spTree>
+      <p:nvGrpSpPr>
+        <p:cNvPr id="1" name=""/>
+        <p:cNvGrpSpPr/>
+        <p:nvPr/>
+      </p:nvGrpSpPr>
+      <p:grpSpPr>
+        <a:xfrm>
+          <a:off x="0" y="0"/>
+          <a:ext cx="0" cy="0"/>
+          <a:chOff x="0" y="0"/>
+          <a:chExt cx="0" cy="0"/>
+        </a:xfrm>
+      </p:grpSpPr>
+      <p:sp>
+        <p:nvSpPr>
+          <p:cNvPr id="2" name="Titre 1">
+            <a:extLst>
+              <a:ext uri="{FF2B5EF4-FFF2-40B4-BE49-F238E27FC236}">
+                <a16:creationId xmlns:a16="http://schemas.microsoft.com/office/drawing/2014/main" id="{6B2038E8-E7D5-CBF8-0FE1-F55A18AE21BF}"/>
+              </a:ext>
+            </a:extLst>
+          </p:cNvPr>
+          <p:cNvSpPr>
+            <a:spLocks noGrp="1"/>
+          </p:cNvSpPr>
+          <p:nvPr>
+            <p:ph type="title"/>
+          </p:nvPr>
+        </p:nvSpPr>
+        <p:spPr/>
+        <p:txBody>
+          <a:bodyPr/>
+          <a:lstStyle/>
+          <a:p>
+            <a:r>
+              <a:rPr lang="fr-FR" dirty="0"/>
+              <a:t>Réponses aux questions</a:t>
+            </a:r>
+          </a:p>
+        </p:txBody>
+      </p:sp>
+      <p:sp>
+        <p:nvSpPr>
+          <p:cNvPr id="3" name="Espace réservé du contenu 2">
+            <a:extLst>
+              <a:ext uri="{FF2B5EF4-FFF2-40B4-BE49-F238E27FC236}">
+                <a16:creationId xmlns:a16="http://schemas.microsoft.com/office/drawing/2014/main" id="{CD0E8BC7-5108-749D-4EC5-4B235D461D2C}"/>
+              </a:ext>
+            </a:extLst>
+          </p:cNvPr>
+          <p:cNvSpPr>
+            <a:spLocks noGrp="1"/>
+          </p:cNvSpPr>
+          <p:nvPr>
+            <p:ph idx="1"/>
+          </p:nvPr>
+        </p:nvSpPr>
+        <p:spPr>
+          <a:xfrm>
+            <a:off x="838200" y="1890075"/>
+            <a:ext cx="10515600" cy="4286888"/>
+          </a:xfrm>
+        </p:spPr>
+        <p:txBody>
+          <a:bodyPr>
+            <a:normAutofit/>
+          </a:bodyPr>
+          <a:lstStyle/>
+          <a:p>
+            <a:pPr marL="457200" lvl="1" indent="0">
+              <a:buNone/>
+            </a:pPr>
+            <a:r>
+              <a:rPr lang="en-US" sz="1800" b="1" dirty="0"/>
+              <a:t>How would you build one or several tables that would allow efficient data exploration for this project ? Explain your structure choices :</a:t>
+            </a:r>
+          </a:p>
+          <a:p>
+            <a:pPr marL="457200" lvl="1" indent="0">
+              <a:buNone/>
+            </a:pPr>
+            <a:endParaRPr lang="en-US" sz="1800" dirty="0"/>
+          </a:p>
+          <a:p>
+            <a:pPr lvl="1"/>
+            <a:r>
+              <a:rPr lang="en-US" sz="1800" dirty="0"/>
+              <a:t>Des tables de dimensions </a:t>
+            </a:r>
+            <a:r>
+              <a:rPr lang="en-US" sz="1800" dirty="0" err="1"/>
+              <a:t>correspondant</a:t>
+            </a:r>
+            <a:r>
+              <a:rPr lang="en-US" sz="1800" dirty="0"/>
+              <a:t> aux axes </a:t>
+            </a:r>
+            <a:r>
+              <a:rPr lang="en-US" sz="1800" dirty="0" err="1"/>
+              <a:t>d’analyse</a:t>
+            </a:r>
+            <a:endParaRPr lang="en-US" sz="1800" dirty="0"/>
+          </a:p>
+          <a:p>
+            <a:pPr lvl="2"/>
+            <a:r>
+              <a:rPr lang="en-US" sz="1400" dirty="0" err="1"/>
+              <a:t>Référentiel</a:t>
+            </a:r>
+            <a:r>
+              <a:rPr lang="en-US" sz="1400" dirty="0"/>
+              <a:t> </a:t>
+            </a:r>
+            <a:r>
+              <a:rPr lang="en-US" sz="1400" dirty="0" err="1"/>
+              <a:t>géo</a:t>
+            </a:r>
+            <a:r>
+              <a:rPr lang="en-US" sz="1400" dirty="0"/>
+              <a:t>, denomination des </a:t>
+            </a:r>
+            <a:r>
+              <a:rPr lang="en-US" sz="1400" dirty="0" err="1"/>
+              <a:t>centres</a:t>
+            </a:r>
+            <a:r>
+              <a:rPr lang="en-US" sz="1400" dirty="0"/>
+              <a:t> (</a:t>
+            </a:r>
+            <a:r>
+              <a:rPr lang="en-US" sz="1400" dirty="0" err="1"/>
+              <a:t>normaliser</a:t>
+            </a:r>
+            <a:r>
+              <a:rPr lang="en-US" sz="1400" dirty="0"/>
+              <a:t> les </a:t>
+            </a:r>
+            <a:r>
+              <a:rPr lang="en-US" sz="1400" dirty="0" err="1"/>
+              <a:t>noms</a:t>
+            </a:r>
+            <a:r>
+              <a:rPr lang="en-US" sz="1400" dirty="0"/>
+              <a:t> des </a:t>
+            </a:r>
+            <a:r>
+              <a:rPr lang="en-US" sz="1400" dirty="0" err="1"/>
+              <a:t>centres</a:t>
+            </a:r>
+            <a:r>
+              <a:rPr lang="en-US" sz="1400" dirty="0"/>
+              <a:t>), </a:t>
+            </a:r>
+            <a:r>
+              <a:rPr lang="en-US" sz="1400" dirty="0" err="1"/>
+              <a:t>référentiel</a:t>
+            </a:r>
+            <a:r>
+              <a:rPr lang="en-US" sz="1400" dirty="0"/>
+              <a:t> de date sur la base du jour</a:t>
+            </a:r>
+          </a:p>
+          <a:p>
+            <a:pPr lvl="1"/>
+            <a:r>
+              <a:rPr lang="en-US" sz="1800" dirty="0"/>
+              <a:t>Datamart </a:t>
+            </a:r>
+          </a:p>
+          <a:p>
+            <a:pPr lvl="2"/>
+            <a:r>
+              <a:rPr lang="en-US" sz="1400" dirty="0"/>
+              <a:t>Une table </a:t>
+            </a:r>
+            <a:r>
+              <a:rPr lang="en-US" sz="1400" dirty="0" err="1"/>
+              <a:t>permettant</a:t>
+            </a:r>
+            <a:r>
+              <a:rPr lang="en-US" sz="1400" dirty="0"/>
+              <a:t> de faire un rapprochement simple entre les </a:t>
+            </a:r>
+            <a:r>
+              <a:rPr lang="en-US" sz="1400" dirty="0" err="1"/>
+              <a:t>rdv</a:t>
+            </a:r>
+            <a:r>
+              <a:rPr lang="en-US" sz="1400" dirty="0"/>
+              <a:t> pris et les doses </a:t>
+            </a:r>
+            <a:r>
+              <a:rPr lang="en-US" sz="1400" dirty="0" err="1"/>
+              <a:t>allouées</a:t>
+            </a:r>
+            <a:r>
+              <a:rPr lang="en-US" sz="1400" dirty="0"/>
+              <a:t>, par </a:t>
+            </a:r>
+            <a:r>
+              <a:rPr lang="en-US" sz="1400" dirty="0" err="1"/>
+              <a:t>centre</a:t>
+            </a:r>
+            <a:r>
+              <a:rPr lang="en-US" sz="1400" dirty="0"/>
+              <a:t> et sur la </a:t>
+            </a:r>
+            <a:r>
+              <a:rPr lang="en-US" sz="1400" dirty="0" err="1"/>
+              <a:t>granularité</a:t>
+            </a:r>
+            <a:r>
+              <a:rPr lang="en-US" sz="1400" dirty="0"/>
+              <a:t> de la </a:t>
+            </a:r>
+            <a:r>
+              <a:rPr lang="en-US" sz="1400" dirty="0" err="1"/>
+              <a:t>semaine-année</a:t>
+            </a:r>
+            <a:endParaRPr lang="en-US" sz="1400" dirty="0"/>
+          </a:p>
+          <a:p>
+            <a:pPr marL="457200" lvl="1" indent="0">
+              <a:buNone/>
+            </a:pPr>
+            <a:r>
               <a:rPr lang="fr-FR" sz="1000" b="0" dirty="0">
                 <a:solidFill>
                   <a:srgbClr val="CE9178"/>
@@ -6252,67 +6797,674 @@
                 <a:effectLst/>
                 <a:latin typeface="Consolas" panose="020B0609020204030204" pitchFamily="49" charset="0"/>
               </a:rPr>
-              <a:t>'skip’ </a:t>
-            </a:r>
-            <a:r>
-              <a:rPr lang="fr-FR" sz="1000" dirty="0"/>
-              <a:t>pour ne pas rester bloqué. J’ai constaté que je perdais 2% des datas ce qui n’était pas significatif</a:t>
-            </a:r>
-            <a:endParaRPr lang="fr-FR" sz="1000" dirty="0">
+              <a:t>insert </a:t>
+            </a:r>
+            <a:r>
+              <a:rPr lang="fr-FR" sz="1000" b="0" dirty="0" err="1">
+                <a:solidFill>
+                  <a:srgbClr val="CE9178"/>
+                </a:solidFill>
+                <a:effectLst/>
+                <a:latin typeface="Consolas" panose="020B0609020204030204" pitchFamily="49" charset="0"/>
+              </a:rPr>
+              <a:t>into</a:t>
+            </a:r>
+            <a:r>
+              <a:rPr lang="fr-FR" sz="1000" b="0" dirty="0">
+                <a:solidFill>
+                  <a:srgbClr val="CE9178"/>
+                </a:solidFill>
+                <a:effectLst/>
+                <a:latin typeface="Consolas" panose="020B0609020204030204" pitchFamily="49" charset="0"/>
+              </a:rPr>
+              <a:t> </a:t>
+            </a:r>
+            <a:r>
+              <a:rPr lang="fr-FR" sz="1000" b="0" dirty="0" err="1">
+                <a:solidFill>
+                  <a:srgbClr val="CE9178"/>
+                </a:solidFill>
+                <a:effectLst/>
+                <a:latin typeface="Consolas" panose="020B0609020204030204" pitchFamily="49" charset="0"/>
+              </a:rPr>
+              <a:t>overload_appointment_monitoring</a:t>
+            </a:r>
+            <a:r>
+              <a:rPr lang="fr-FR" sz="1000" b="0" dirty="0">
+                <a:solidFill>
+                  <a:srgbClr val="CE9178"/>
+                </a:solidFill>
+                <a:effectLst/>
+                <a:latin typeface="Consolas" panose="020B0609020204030204" pitchFamily="49" charset="0"/>
+              </a:rPr>
+              <a:t> (</a:t>
+            </a:r>
+            <a:endParaRPr lang="fr-FR" sz="1000" b="0" dirty="0">
               <a:solidFill>
                 <a:srgbClr val="D4D4D4"/>
               </a:solidFill>
+              <a:effectLst/>
               <a:latin typeface="Consolas" panose="020B0609020204030204" pitchFamily="49" charset="0"/>
             </a:endParaRPr>
           </a:p>
           <a:p>
-            <a:pPr marL="0" indent="0">
+            <a:pPr marL="457200" lvl="1" indent="0">
               <a:buNone/>
             </a:pPr>
-            <a:endParaRPr lang="fr-FR" sz="1600" dirty="0"/>
-          </a:p>
-          <a:p>
-            <a:pPr marL="342900" indent="-342900">
-              <a:buFont typeface="+mj-lt"/>
-              <a:buAutoNum type="arabicPeriod"/>
+            <a:r>
+              <a:rPr lang="fr-FR" sz="1000" b="0" dirty="0">
+                <a:solidFill>
+                  <a:srgbClr val="CE9178"/>
+                </a:solidFill>
+                <a:effectLst/>
+                <a:latin typeface="Consolas" panose="020B0609020204030204" pitchFamily="49" charset="0"/>
+              </a:rPr>
+              <a:t>    mois, </a:t>
+            </a:r>
+            <a:r>
+              <a:rPr lang="fr-FR" sz="1000" b="0" dirty="0" err="1">
+                <a:solidFill>
+                  <a:srgbClr val="CE9178"/>
+                </a:solidFill>
+                <a:effectLst/>
+                <a:latin typeface="Consolas" panose="020B0609020204030204" pitchFamily="49" charset="0"/>
+              </a:rPr>
+              <a:t>annee</a:t>
+            </a:r>
+            <a:r>
+              <a:rPr lang="fr-FR" sz="1000" b="0" dirty="0">
+                <a:solidFill>
+                  <a:srgbClr val="CE9178"/>
+                </a:solidFill>
+                <a:effectLst/>
+                <a:latin typeface="Consolas" panose="020B0609020204030204" pitchFamily="49" charset="0"/>
+              </a:rPr>
+              <a:t>, </a:t>
+            </a:r>
+            <a:r>
+              <a:rPr lang="fr-FR" sz="1000" b="0" dirty="0" err="1">
+                <a:solidFill>
+                  <a:srgbClr val="CE9178"/>
+                </a:solidFill>
+                <a:effectLst/>
+                <a:latin typeface="Consolas" panose="020B0609020204030204" pitchFamily="49" charset="0"/>
+              </a:rPr>
+              <a:t>week_num</a:t>
+            </a:r>
+            <a:r>
+              <a:rPr lang="fr-FR" sz="1000" b="0" dirty="0">
+                <a:solidFill>
+                  <a:srgbClr val="CE9178"/>
+                </a:solidFill>
+                <a:effectLst/>
+                <a:latin typeface="Consolas" panose="020B0609020204030204" pitchFamily="49" charset="0"/>
+              </a:rPr>
+              <a:t>, </a:t>
+            </a:r>
+            <a:r>
+              <a:rPr lang="fr-FR" sz="1000" b="0" dirty="0" err="1">
+                <a:solidFill>
+                  <a:srgbClr val="CE9178"/>
+                </a:solidFill>
+                <a:effectLst/>
+                <a:latin typeface="Consolas" panose="020B0609020204030204" pitchFamily="49" charset="0"/>
+              </a:rPr>
+              <a:t>id_centre</a:t>
+            </a:r>
+            <a:r>
+              <a:rPr lang="fr-FR" sz="1000" b="0" dirty="0">
+                <a:solidFill>
+                  <a:srgbClr val="CE9178"/>
+                </a:solidFill>
+                <a:effectLst/>
+                <a:latin typeface="Consolas" panose="020B0609020204030204" pitchFamily="49" charset="0"/>
+              </a:rPr>
+              <a:t>, </a:t>
+            </a:r>
+            <a:r>
+              <a:rPr lang="fr-FR" sz="1000" b="0" dirty="0" err="1">
+                <a:solidFill>
+                  <a:srgbClr val="CE9178"/>
+                </a:solidFill>
+                <a:effectLst/>
+                <a:latin typeface="Consolas" panose="020B0609020204030204" pitchFamily="49" charset="0"/>
+              </a:rPr>
+              <a:t>departement</a:t>
+            </a:r>
+            <a:r>
+              <a:rPr lang="fr-FR" sz="1000" b="0" dirty="0">
+                <a:solidFill>
+                  <a:srgbClr val="CE9178"/>
+                </a:solidFill>
+                <a:effectLst/>
+                <a:latin typeface="Consolas" panose="020B0609020204030204" pitchFamily="49" charset="0"/>
+              </a:rPr>
+              <a:t>, </a:t>
+            </a:r>
+            <a:r>
+              <a:rPr lang="fr-FR" sz="1000" b="0" dirty="0" err="1">
+                <a:solidFill>
+                  <a:srgbClr val="CE9178"/>
+                </a:solidFill>
+                <a:effectLst/>
+                <a:latin typeface="Consolas" panose="020B0609020204030204" pitchFamily="49" charset="0"/>
+              </a:rPr>
+              <a:t>nb_rdv_pris</a:t>
+            </a:r>
+            <a:r>
+              <a:rPr lang="fr-FR" sz="1000" b="0" dirty="0">
+                <a:solidFill>
+                  <a:srgbClr val="CE9178"/>
+                </a:solidFill>
+                <a:effectLst/>
+                <a:latin typeface="Consolas" panose="020B0609020204030204" pitchFamily="49" charset="0"/>
+              </a:rPr>
+              <a:t>, </a:t>
+            </a:r>
+            <a:r>
+              <a:rPr lang="fr-FR" sz="1000" b="0" dirty="0" err="1">
+                <a:solidFill>
+                  <a:srgbClr val="CE9178"/>
+                </a:solidFill>
+                <a:effectLst/>
+                <a:latin typeface="Consolas" panose="020B0609020204030204" pitchFamily="49" charset="0"/>
+              </a:rPr>
+              <a:t>doses_allouees</a:t>
+            </a:r>
+            <a:r>
+              <a:rPr lang="fr-FR" sz="1000" b="0" dirty="0">
+                <a:solidFill>
+                  <a:srgbClr val="CE9178"/>
+                </a:solidFill>
+                <a:effectLst/>
+                <a:latin typeface="Consolas" panose="020B0609020204030204" pitchFamily="49" charset="0"/>
+              </a:rPr>
+              <a:t>, </a:t>
+            </a:r>
+            <a:r>
+              <a:rPr lang="fr-FR" sz="1000" b="0" dirty="0" err="1">
+                <a:solidFill>
+                  <a:srgbClr val="CE9178"/>
+                </a:solidFill>
+                <a:effectLst/>
+                <a:latin typeface="Consolas" panose="020B0609020204030204" pitchFamily="49" charset="0"/>
+              </a:rPr>
+              <a:t>rdv_planifies</a:t>
+            </a:r>
+            <a:r>
+              <a:rPr lang="fr-FR" sz="1000" b="0" dirty="0">
+                <a:solidFill>
+                  <a:srgbClr val="CE9178"/>
+                </a:solidFill>
+                <a:effectLst/>
+                <a:latin typeface="Consolas" panose="020B0609020204030204" pitchFamily="49" charset="0"/>
+              </a:rPr>
+              <a:t>, </a:t>
+            </a:r>
+            <a:r>
+              <a:rPr lang="fr-FR" sz="1000" b="0" dirty="0" err="1">
+                <a:solidFill>
+                  <a:srgbClr val="CE9178"/>
+                </a:solidFill>
+                <a:effectLst/>
+                <a:latin typeface="Consolas" panose="020B0609020204030204" pitchFamily="49" charset="0"/>
+              </a:rPr>
+              <a:t>mois_anee</a:t>
+            </a:r>
+            <a:r>
+              <a:rPr lang="fr-FR" sz="1000" b="0" dirty="0">
+                <a:solidFill>
+                  <a:srgbClr val="CE9178"/>
+                </a:solidFill>
+                <a:effectLst/>
+                <a:latin typeface="Consolas" panose="020B0609020204030204" pitchFamily="49" charset="0"/>
+              </a:rPr>
+              <a:t>, </a:t>
+            </a:r>
+            <a:r>
+              <a:rPr lang="fr-FR" sz="1000" b="0" dirty="0" err="1">
+                <a:solidFill>
+                  <a:srgbClr val="CE9178"/>
+                </a:solidFill>
+                <a:effectLst/>
+                <a:latin typeface="Consolas" panose="020B0609020204030204" pitchFamily="49" charset="0"/>
+              </a:rPr>
+              <a:t>semaine_annee</a:t>
+            </a:r>
+            <a:endParaRPr lang="fr-FR" sz="1000" b="0" dirty="0">
+              <a:solidFill>
+                <a:srgbClr val="D4D4D4"/>
+              </a:solidFill>
+              <a:effectLst/>
+              <a:latin typeface="Consolas" panose="020B0609020204030204" pitchFamily="49" charset="0"/>
+            </a:endParaRPr>
+          </a:p>
+          <a:p>
+            <a:pPr marL="457200" lvl="1" indent="0">
+              <a:buNone/>
             </a:pPr>
             <a:r>
-              <a:rPr lang="fr-FR" sz="1800" dirty="0"/>
-              <a:t>Qualité de la donnée</a:t>
-            </a:r>
+              <a:rPr lang="fr-FR" sz="1000" b="0" dirty="0">
+                <a:solidFill>
+                  <a:srgbClr val="CE9178"/>
+                </a:solidFill>
+                <a:effectLst/>
+                <a:latin typeface="Consolas" panose="020B0609020204030204" pitchFamily="49" charset="0"/>
+              </a:rPr>
+              <a:t>)</a:t>
+            </a:r>
+            <a:endParaRPr lang="fr-FR" sz="1000" b="0" dirty="0">
+              <a:solidFill>
+                <a:srgbClr val="D4D4D4"/>
+              </a:solidFill>
+              <a:effectLst/>
+              <a:latin typeface="Consolas" panose="020B0609020204030204" pitchFamily="49" charset="0"/>
+            </a:endParaRPr>
           </a:p>
           <a:p>
             <a:pPr lvl="1"/>
             <a:r>
-              <a:rPr lang="fr-FR" sz="1400" dirty="0"/>
-              <a:t>Données géo peu intéressantes =&gt; Ajout du référentiel géo de data </a:t>
-            </a:r>
-            <a:r>
-              <a:rPr lang="fr-FR" sz="1400" dirty="0" err="1"/>
-              <a:t>gouv</a:t>
-            </a:r>
-            <a:r>
-              <a:rPr lang="fr-FR" sz="1400" dirty="0"/>
-              <a:t> pour faire parler la data</a:t>
-            </a:r>
+              <a:rPr lang="en-US" sz="1800" dirty="0"/>
+              <a:t>Une </a:t>
+            </a:r>
+            <a:r>
+              <a:rPr lang="en-US" sz="1800" dirty="0" err="1"/>
+              <a:t>permettant</a:t>
+            </a:r>
+            <a:r>
+              <a:rPr lang="en-US" sz="1800" dirty="0"/>
+              <a:t> de faire un rapprochement simple entre les </a:t>
+            </a:r>
+            <a:r>
+              <a:rPr lang="en-US" sz="1800" dirty="0" err="1"/>
+              <a:t>rdv</a:t>
+            </a:r>
+            <a:r>
+              <a:rPr lang="en-US" sz="1800" dirty="0"/>
+              <a:t> pris et les doses </a:t>
+            </a:r>
+            <a:r>
+              <a:rPr lang="en-US" sz="1800" dirty="0" err="1"/>
+              <a:t>allouées</a:t>
+            </a:r>
+            <a:r>
+              <a:rPr lang="en-US" sz="1800" dirty="0"/>
+              <a:t>, par </a:t>
+            </a:r>
+            <a:r>
+              <a:rPr lang="en-US" sz="1800" dirty="0" err="1"/>
+              <a:t>centre</a:t>
+            </a:r>
+            <a:r>
+              <a:rPr lang="en-US" sz="1800" dirty="0"/>
+              <a:t> et sur la </a:t>
+            </a:r>
+            <a:r>
+              <a:rPr lang="en-US" sz="1800" dirty="0" err="1"/>
+              <a:t>granularité</a:t>
+            </a:r>
+            <a:r>
+              <a:rPr lang="en-US" sz="1800" dirty="0"/>
+              <a:t> de la </a:t>
+            </a:r>
+            <a:r>
+              <a:rPr lang="en-US" sz="1800" dirty="0" err="1"/>
+              <a:t>semaine-année</a:t>
+            </a:r>
+            <a:endParaRPr lang="en-US" sz="1800" dirty="0"/>
           </a:p>
           <a:p>
             <a:pPr lvl="1"/>
             <a:r>
-              <a:rPr lang="fr-FR" sz="1400" dirty="0"/>
-              <a:t>Identifiant unique des centres vaccinaux pas toujours présent =&gt; Regroupement dans une catégorie « Sans GID »</a:t>
-            </a:r>
+              <a:rPr lang="en-US" sz="1000" b="0" dirty="0">
+                <a:solidFill>
+                  <a:srgbClr val="CE9178"/>
+                </a:solidFill>
+                <a:effectLst/>
+                <a:latin typeface="Consolas" panose="020B0609020204030204" pitchFamily="49" charset="0"/>
+              </a:rPr>
+              <a:t>insert into </a:t>
+            </a:r>
+            <a:r>
+              <a:rPr lang="en-US" sz="1000" b="0" dirty="0" err="1">
+                <a:solidFill>
+                  <a:srgbClr val="CE9178"/>
+                </a:solidFill>
+                <a:effectLst/>
+                <a:latin typeface="Consolas" panose="020B0609020204030204" pitchFamily="49" charset="0"/>
+              </a:rPr>
+              <a:t>aggreg_count_vax</a:t>
+            </a:r>
+            <a:r>
+              <a:rPr lang="en-US" sz="1000" b="0" dirty="0">
+                <a:solidFill>
+                  <a:srgbClr val="CE9178"/>
+                </a:solidFill>
+                <a:effectLst/>
+                <a:latin typeface="Consolas" panose="020B0609020204030204" pitchFamily="49" charset="0"/>
+              </a:rPr>
+              <a:t>  (</a:t>
+            </a:r>
+            <a:endParaRPr lang="en-US" sz="1000" b="0" dirty="0">
+              <a:solidFill>
+                <a:srgbClr val="D4D4D4"/>
+              </a:solidFill>
+              <a:effectLst/>
+              <a:latin typeface="Consolas" panose="020B0609020204030204" pitchFamily="49" charset="0"/>
+            </a:endParaRPr>
           </a:p>
           <a:p>
             <a:pPr lvl="1"/>
-            <a:endParaRPr lang="fr-FR" sz="1400" dirty="0"/>
+            <a:r>
+              <a:rPr lang="en-US" sz="1000" b="0" dirty="0">
+                <a:solidFill>
+                  <a:srgbClr val="CE9178"/>
+                </a:solidFill>
+                <a:effectLst/>
+                <a:latin typeface="Consolas" panose="020B0609020204030204" pitchFamily="49" charset="0"/>
+              </a:rPr>
+              <a:t>gid ,</a:t>
+            </a:r>
+            <a:r>
+              <a:rPr lang="en-US" sz="1000" b="0" dirty="0" err="1">
+                <a:solidFill>
+                  <a:srgbClr val="CE9178"/>
+                </a:solidFill>
+                <a:effectLst/>
+                <a:latin typeface="Consolas" panose="020B0609020204030204" pitchFamily="49" charset="0"/>
+              </a:rPr>
+              <a:t>nom_centre</a:t>
+            </a:r>
+            <a:r>
+              <a:rPr lang="en-US" sz="1000" b="0" dirty="0">
+                <a:solidFill>
+                  <a:srgbClr val="CE9178"/>
+                </a:solidFill>
+                <a:effectLst/>
+                <a:latin typeface="Consolas" panose="020B0609020204030204" pitchFamily="49" charset="0"/>
+              </a:rPr>
+              <a:t> , </a:t>
+            </a:r>
+            <a:r>
+              <a:rPr lang="en-US" sz="1000" b="0" dirty="0" err="1">
+                <a:solidFill>
+                  <a:srgbClr val="CE9178"/>
+                </a:solidFill>
+                <a:effectLst/>
+                <a:latin typeface="Consolas" panose="020B0609020204030204" pitchFamily="49" charset="0"/>
+              </a:rPr>
+              <a:t>nb_of_appointments</a:t>
+            </a:r>
+            <a:r>
+              <a:rPr lang="en-US" sz="1000" b="0" dirty="0">
+                <a:solidFill>
+                  <a:srgbClr val="CE9178"/>
+                </a:solidFill>
+                <a:effectLst/>
+                <a:latin typeface="Consolas" panose="020B0609020204030204" pitchFamily="49" charset="0"/>
+              </a:rPr>
+              <a:t> ,</a:t>
+            </a:r>
+            <a:r>
+              <a:rPr lang="en-US" sz="1000" b="0" dirty="0" err="1">
+                <a:solidFill>
+                  <a:srgbClr val="CE9178"/>
+                </a:solidFill>
+                <a:effectLst/>
+                <a:latin typeface="Consolas" panose="020B0609020204030204" pitchFamily="49" charset="0"/>
+              </a:rPr>
+              <a:t>is_with_doctolib</a:t>
+            </a:r>
+            <a:r>
+              <a:rPr lang="en-US" sz="1000" b="0" dirty="0">
+                <a:solidFill>
+                  <a:srgbClr val="CE9178"/>
+                </a:solidFill>
+                <a:effectLst/>
+                <a:latin typeface="Consolas" panose="020B0609020204030204" pitchFamily="49" charset="0"/>
+              </a:rPr>
+              <a:t> ,</a:t>
+            </a:r>
+            <a:r>
+              <a:rPr lang="en-US" sz="1000" b="0" dirty="0" err="1">
+                <a:solidFill>
+                  <a:srgbClr val="CE9178"/>
+                </a:solidFill>
+                <a:effectLst/>
+                <a:latin typeface="Consolas" panose="020B0609020204030204" pitchFamily="49" charset="0"/>
+              </a:rPr>
+              <a:t>cp_commune</a:t>
+            </a:r>
+            <a:r>
+              <a:rPr lang="en-US" sz="1000" b="0" dirty="0">
+                <a:solidFill>
+                  <a:srgbClr val="CE9178"/>
+                </a:solidFill>
+                <a:effectLst/>
+                <a:latin typeface="Consolas" panose="020B0609020204030204" pitchFamily="49" charset="0"/>
+              </a:rPr>
+              <a:t> )</a:t>
+            </a:r>
+            <a:endParaRPr lang="en-US" sz="1000" b="0" dirty="0">
+              <a:solidFill>
+                <a:srgbClr val="D4D4D4"/>
+              </a:solidFill>
+              <a:effectLst/>
+              <a:latin typeface="Consolas" panose="020B0609020204030204" pitchFamily="49" charset="0"/>
+            </a:endParaRPr>
+          </a:p>
+          <a:p>
+            <a:pPr lvl="1"/>
+            <a:endParaRPr lang="en-US" sz="1800" dirty="0"/>
+          </a:p>
+          <a:p>
+            <a:pPr lvl="1"/>
+            <a:endParaRPr lang="fr-FR" sz="1800" dirty="0"/>
+          </a:p>
+        </p:txBody>
+      </p:sp>
+      <p:sp>
+        <p:nvSpPr>
+          <p:cNvPr id="4" name="Rectangle 3">
+            <a:extLst>
+              <a:ext uri="{FF2B5EF4-FFF2-40B4-BE49-F238E27FC236}">
+                <a16:creationId xmlns:a16="http://schemas.microsoft.com/office/drawing/2014/main" id="{548D4AF5-0A2C-4539-602E-436C7F92D435}"/>
+              </a:ext>
+            </a:extLst>
+          </p:cNvPr>
+          <p:cNvSpPr/>
+          <p:nvPr/>
+        </p:nvSpPr>
+        <p:spPr>
+          <a:xfrm>
+            <a:off x="1" y="-42420"/>
+            <a:ext cx="12192000" cy="565608"/>
+          </a:xfrm>
+          <a:prstGeom prst="rect">
+            <a:avLst/>
+          </a:prstGeom>
+        </p:spPr>
+        <p:style>
+          <a:lnRef idx="2">
+            <a:schemeClr val="accent1">
+              <a:shade val="50000"/>
+            </a:schemeClr>
+          </a:lnRef>
+          <a:fillRef idx="1">
+            <a:schemeClr val="accent1"/>
+          </a:fillRef>
+          <a:effectRef idx="0">
+            <a:schemeClr val="accent1"/>
+          </a:effectRef>
+          <a:fontRef idx="minor">
+            <a:schemeClr val="lt1"/>
+          </a:fontRef>
+        </p:style>
+        <p:txBody>
+          <a:bodyPr rtlCol="0" anchor="ctr"/>
+          <a:lstStyle/>
+          <a:p>
+            <a:pPr algn="ctr"/>
+            <a:r>
+              <a:rPr lang="fr-FR" dirty="0"/>
+              <a:t>Data pipeline</a:t>
+            </a:r>
           </a:p>
         </p:txBody>
       </p:sp>
     </p:spTree>
     <p:extLst>
       <p:ext uri="{BB962C8B-B14F-4D97-AF65-F5344CB8AC3E}">
-        <p14:creationId xmlns:p14="http://schemas.microsoft.com/office/powerpoint/2010/main" val="1186748577"/>
+        <p14:creationId xmlns:p14="http://schemas.microsoft.com/office/powerpoint/2010/main" val="3568170429"/>
+      </p:ext>
+    </p:extLst>
+  </p:cSld>
+  <p:clrMapOvr>
+    <a:masterClrMapping/>
+  </p:clrMapOvr>
+</p:sld>
+</file>
+
+<file path=ppt/slides/slide9.xml><?xml version="1.0" encoding="utf-8"?>
+<p:sld xmlns:a="http://schemas.openxmlformats.org/drawingml/2006/main" xmlns:r="http://schemas.openxmlformats.org/officeDocument/2006/relationships" xmlns:p="http://schemas.openxmlformats.org/presentationml/2006/main">
+  <p:cSld>
+    <p:spTree>
+      <p:nvGrpSpPr>
+        <p:cNvPr id="1" name=""/>
+        <p:cNvGrpSpPr/>
+        <p:nvPr/>
+      </p:nvGrpSpPr>
+      <p:grpSpPr>
+        <a:xfrm>
+          <a:off x="0" y="0"/>
+          <a:ext cx="0" cy="0"/>
+          <a:chOff x="0" y="0"/>
+          <a:chExt cx="0" cy="0"/>
+        </a:xfrm>
+      </p:grpSpPr>
+      <p:sp>
+        <p:nvSpPr>
+          <p:cNvPr id="2" name="Titre 1">
+            <a:extLst>
+              <a:ext uri="{FF2B5EF4-FFF2-40B4-BE49-F238E27FC236}">
+                <a16:creationId xmlns:a16="http://schemas.microsoft.com/office/drawing/2014/main" id="{6B2038E8-E7D5-CBF8-0FE1-F55A18AE21BF}"/>
+              </a:ext>
+            </a:extLst>
+          </p:cNvPr>
+          <p:cNvSpPr>
+            <a:spLocks noGrp="1"/>
+          </p:cNvSpPr>
+          <p:nvPr>
+            <p:ph type="title"/>
+          </p:nvPr>
+        </p:nvSpPr>
+        <p:spPr/>
+        <p:txBody>
+          <a:bodyPr/>
+          <a:lstStyle/>
+          <a:p>
+            <a:r>
+              <a:rPr lang="fr-FR" dirty="0"/>
+              <a:t>Réponses aux questions</a:t>
+            </a:r>
+          </a:p>
+        </p:txBody>
+      </p:sp>
+      <p:sp>
+        <p:nvSpPr>
+          <p:cNvPr id="3" name="Espace réservé du contenu 2">
+            <a:extLst>
+              <a:ext uri="{FF2B5EF4-FFF2-40B4-BE49-F238E27FC236}">
+                <a16:creationId xmlns:a16="http://schemas.microsoft.com/office/drawing/2014/main" id="{CD0E8BC7-5108-749D-4EC5-4B235D461D2C}"/>
+              </a:ext>
+            </a:extLst>
+          </p:cNvPr>
+          <p:cNvSpPr>
+            <a:spLocks noGrp="1"/>
+          </p:cNvSpPr>
+          <p:nvPr>
+            <p:ph idx="1"/>
+          </p:nvPr>
+        </p:nvSpPr>
+        <p:spPr>
+          <a:xfrm>
+            <a:off x="838200" y="1890075"/>
+            <a:ext cx="10515600" cy="4286888"/>
+          </a:xfrm>
+        </p:spPr>
+        <p:txBody>
+          <a:bodyPr>
+            <a:normAutofit/>
+          </a:bodyPr>
+          <a:lstStyle/>
+          <a:p>
+            <a:pPr marL="457200" lvl="1" indent="0">
+              <a:buNone/>
+            </a:pPr>
+            <a:r>
+              <a:rPr lang="en-US" sz="1800" dirty="0"/>
+              <a:t>How would you build one or several tables that would allow efficient data exploration for this project ? </a:t>
+            </a:r>
+          </a:p>
+          <a:p>
+            <a:pPr lvl="1"/>
+            <a:endParaRPr lang="fr-FR" sz="1800" dirty="0"/>
+          </a:p>
+        </p:txBody>
+      </p:sp>
+      <p:sp>
+        <p:nvSpPr>
+          <p:cNvPr id="4" name="Rectangle 3">
+            <a:extLst>
+              <a:ext uri="{FF2B5EF4-FFF2-40B4-BE49-F238E27FC236}">
+                <a16:creationId xmlns:a16="http://schemas.microsoft.com/office/drawing/2014/main" id="{548D4AF5-0A2C-4539-602E-436C7F92D435}"/>
+              </a:ext>
+            </a:extLst>
+          </p:cNvPr>
+          <p:cNvSpPr/>
+          <p:nvPr/>
+        </p:nvSpPr>
+        <p:spPr>
+          <a:xfrm>
+            <a:off x="1" y="-42420"/>
+            <a:ext cx="12192000" cy="565608"/>
+          </a:xfrm>
+          <a:prstGeom prst="rect">
+            <a:avLst/>
+          </a:prstGeom>
+        </p:spPr>
+        <p:style>
+          <a:lnRef idx="2">
+            <a:schemeClr val="accent1">
+              <a:shade val="50000"/>
+            </a:schemeClr>
+          </a:lnRef>
+          <a:fillRef idx="1">
+            <a:schemeClr val="accent1"/>
+          </a:fillRef>
+          <a:effectRef idx="0">
+            <a:schemeClr val="accent1"/>
+          </a:effectRef>
+          <a:fontRef idx="minor">
+            <a:schemeClr val="lt1"/>
+          </a:fontRef>
+        </p:style>
+        <p:txBody>
+          <a:bodyPr rtlCol="0" anchor="ctr"/>
+          <a:lstStyle/>
+          <a:p>
+            <a:pPr algn="ctr"/>
+            <a:r>
+              <a:rPr lang="fr-FR" dirty="0"/>
+              <a:t>Data pipeline</a:t>
+            </a:r>
+          </a:p>
+        </p:txBody>
+      </p:sp>
+    </p:spTree>
+    <p:extLst>
+      <p:ext uri="{BB962C8B-B14F-4D97-AF65-F5344CB8AC3E}">
+        <p14:creationId xmlns:p14="http://schemas.microsoft.com/office/powerpoint/2010/main" val="7424106"/>
       </p:ext>
     </p:extLst>
   </p:cSld>

--- a/présentation.pptx
+++ b/présentation.pptx
@@ -5,7 +5,7 @@
     <p:sldMasterId id="2147483648" r:id="rId1"/>
   </p:sldMasterIdLst>
   <p:notesMasterIdLst>
-    <p:notesMasterId r:id="rId11"/>
+    <p:notesMasterId r:id="rId17"/>
   </p:notesMasterIdLst>
   <p:sldIdLst>
     <p:sldId id="256" r:id="rId2"/>
@@ -17,6 +17,12 @@
     <p:sldId id="264" r:id="rId8"/>
     <p:sldId id="265" r:id="rId9"/>
     <p:sldId id="266" r:id="rId10"/>
+    <p:sldId id="269" r:id="rId11"/>
+    <p:sldId id="270" r:id="rId12"/>
+    <p:sldId id="271" r:id="rId13"/>
+    <p:sldId id="272" r:id="rId14"/>
+    <p:sldId id="274" r:id="rId15"/>
+    <p:sldId id="275" r:id="rId16"/>
   </p:sldIdLst>
   <p:sldSz cx="12192000" cy="6858000"/>
   <p:notesSz cx="6858000" cy="9144000"/>
@@ -3796,7 +3802,7 @@
           <a:p>
             <a:r>
               <a:rPr lang="fr-FR" dirty="0"/>
-              <a:t>draft</a:t>
+              <a:t>CAS PRATIQUE</a:t>
             </a:r>
           </a:p>
         </p:txBody>
@@ -3822,7 +3828,18 @@
           <a:bodyPr/>
           <a:lstStyle/>
           <a:p>
-            <a:endParaRPr lang="fr-FR"/>
+            <a:r>
+              <a:rPr lang="fr-FR" dirty="0"/>
+              <a:t>Analytics </a:t>
+            </a:r>
+            <a:r>
+              <a:rPr lang="fr-FR" dirty="0" err="1"/>
+              <a:t>Engineer</a:t>
+            </a:r>
+            <a:r>
+              <a:rPr lang="fr-FR" dirty="0"/>
+              <a:t> - Doctolib</a:t>
+            </a:r>
           </a:p>
         </p:txBody>
       </p:sp>
@@ -3830,6 +3847,1313 @@
     <p:extLst>
       <p:ext uri="{BB962C8B-B14F-4D97-AF65-F5344CB8AC3E}">
         <p14:creationId xmlns:p14="http://schemas.microsoft.com/office/powerpoint/2010/main" val="2004749378"/>
+      </p:ext>
+    </p:extLst>
+  </p:cSld>
+  <p:clrMapOvr>
+    <a:masterClrMapping/>
+  </p:clrMapOvr>
+</p:sld>
+</file>
+
+<file path=ppt/slides/slide10.xml><?xml version="1.0" encoding="utf-8"?>
+<p:sld xmlns:a="http://schemas.openxmlformats.org/drawingml/2006/main" xmlns:r="http://schemas.openxmlformats.org/officeDocument/2006/relationships" xmlns:p="http://schemas.openxmlformats.org/presentationml/2006/main">
+  <p:cSld>
+    <p:spTree>
+      <p:nvGrpSpPr>
+        <p:cNvPr id="1" name=""/>
+        <p:cNvGrpSpPr/>
+        <p:nvPr/>
+      </p:nvGrpSpPr>
+      <p:grpSpPr>
+        <a:xfrm>
+          <a:off x="0" y="0"/>
+          <a:ext cx="0" cy="0"/>
+          <a:chOff x="0" y="0"/>
+          <a:chExt cx="0" cy="0"/>
+        </a:xfrm>
+      </p:grpSpPr>
+      <p:sp>
+        <p:nvSpPr>
+          <p:cNvPr id="2" name="Titre 1">
+            <a:extLst>
+              <a:ext uri="{FF2B5EF4-FFF2-40B4-BE49-F238E27FC236}">
+                <a16:creationId xmlns:a16="http://schemas.microsoft.com/office/drawing/2014/main" id="{6B2038E8-E7D5-CBF8-0FE1-F55A18AE21BF}"/>
+              </a:ext>
+            </a:extLst>
+          </p:cNvPr>
+          <p:cNvSpPr>
+            <a:spLocks noGrp="1"/>
+          </p:cNvSpPr>
+          <p:nvPr>
+            <p:ph type="title"/>
+          </p:nvPr>
+        </p:nvSpPr>
+        <p:spPr/>
+        <p:txBody>
+          <a:bodyPr/>
+          <a:lstStyle/>
+          <a:p>
+            <a:r>
+              <a:rPr lang="fr-FR" dirty="0"/>
+              <a:t>Réponses aux questions</a:t>
+            </a:r>
+          </a:p>
+        </p:txBody>
+      </p:sp>
+      <p:sp>
+        <p:nvSpPr>
+          <p:cNvPr id="3" name="Espace réservé du contenu 2">
+            <a:extLst>
+              <a:ext uri="{FF2B5EF4-FFF2-40B4-BE49-F238E27FC236}">
+                <a16:creationId xmlns:a16="http://schemas.microsoft.com/office/drawing/2014/main" id="{CD0E8BC7-5108-749D-4EC5-4B235D461D2C}"/>
+              </a:ext>
+            </a:extLst>
+          </p:cNvPr>
+          <p:cNvSpPr>
+            <a:spLocks noGrp="1"/>
+          </p:cNvSpPr>
+          <p:nvPr>
+            <p:ph idx="1"/>
+          </p:nvPr>
+        </p:nvSpPr>
+        <p:spPr>
+          <a:xfrm>
+            <a:off x="838200" y="1890075"/>
+            <a:ext cx="8183252" cy="579748"/>
+          </a:xfrm>
+        </p:spPr>
+        <p:txBody>
+          <a:bodyPr>
+            <a:normAutofit/>
+          </a:bodyPr>
+          <a:lstStyle/>
+          <a:p>
+            <a:pPr marL="457200" lvl="1" indent="0">
+              <a:buNone/>
+            </a:pPr>
+            <a:r>
+              <a:rPr lang="en-US" sz="1800" b="1" dirty="0"/>
+              <a:t>Provide examples of dashboards you could generate using your tables 2/2</a:t>
+            </a:r>
+            <a:endParaRPr lang="en-US" sz="1800" dirty="0"/>
+          </a:p>
+        </p:txBody>
+      </p:sp>
+      <p:sp>
+        <p:nvSpPr>
+          <p:cNvPr id="4" name="Rectangle 3">
+            <a:extLst>
+              <a:ext uri="{FF2B5EF4-FFF2-40B4-BE49-F238E27FC236}">
+                <a16:creationId xmlns:a16="http://schemas.microsoft.com/office/drawing/2014/main" id="{548D4AF5-0A2C-4539-602E-436C7F92D435}"/>
+              </a:ext>
+            </a:extLst>
+          </p:cNvPr>
+          <p:cNvSpPr/>
+          <p:nvPr/>
+        </p:nvSpPr>
+        <p:spPr>
+          <a:xfrm>
+            <a:off x="1" y="-42420"/>
+            <a:ext cx="12192000" cy="565608"/>
+          </a:xfrm>
+          <a:prstGeom prst="rect">
+            <a:avLst/>
+          </a:prstGeom>
+        </p:spPr>
+        <p:style>
+          <a:lnRef idx="2">
+            <a:schemeClr val="accent1">
+              <a:shade val="50000"/>
+            </a:schemeClr>
+          </a:lnRef>
+          <a:fillRef idx="1">
+            <a:schemeClr val="accent1"/>
+          </a:fillRef>
+          <a:effectRef idx="0">
+            <a:schemeClr val="accent1"/>
+          </a:effectRef>
+          <a:fontRef idx="minor">
+            <a:schemeClr val="lt1"/>
+          </a:fontRef>
+        </p:style>
+        <p:txBody>
+          <a:bodyPr rtlCol="0" anchor="ctr"/>
+          <a:lstStyle/>
+          <a:p>
+            <a:pPr algn="ctr"/>
+            <a:r>
+              <a:rPr lang="fr-FR" dirty="0"/>
+              <a:t>Data pipeline</a:t>
+            </a:r>
+          </a:p>
+        </p:txBody>
+      </p:sp>
+      <p:sp>
+        <p:nvSpPr>
+          <p:cNvPr id="11" name="ZoneTexte 10">
+            <a:extLst>
+              <a:ext uri="{FF2B5EF4-FFF2-40B4-BE49-F238E27FC236}">
+                <a16:creationId xmlns:a16="http://schemas.microsoft.com/office/drawing/2014/main" id="{A050227E-646B-2DE3-346D-63F328001023}"/>
+              </a:ext>
+            </a:extLst>
+          </p:cNvPr>
+          <p:cNvSpPr txBox="1"/>
+          <p:nvPr/>
+        </p:nvSpPr>
+        <p:spPr>
+          <a:xfrm>
+            <a:off x="641022" y="2821225"/>
+            <a:ext cx="2974157" cy="369332"/>
+          </a:xfrm>
+          <a:prstGeom prst="rect">
+            <a:avLst/>
+          </a:prstGeom>
+          <a:noFill/>
+        </p:spPr>
+        <p:txBody>
+          <a:bodyPr wrap="square" rtlCol="0">
+            <a:spAutoFit/>
+          </a:bodyPr>
+          <a:lstStyle/>
+          <a:p>
+            <a:pPr algn="ctr"/>
+            <a:r>
+              <a:rPr lang="fr-FR" b="1" i="1" dirty="0"/>
+              <a:t>Partnership </a:t>
+            </a:r>
+            <a:r>
+              <a:rPr lang="fr-FR" b="1" i="1" dirty="0" err="1"/>
+              <a:t>efficiency</a:t>
+            </a:r>
+            <a:endParaRPr lang="fr-FR" b="1" i="1" dirty="0"/>
+          </a:p>
+        </p:txBody>
+      </p:sp>
+      <p:pic>
+        <p:nvPicPr>
+          <p:cNvPr id="15" name="Image 14">
+            <a:extLst>
+              <a:ext uri="{FF2B5EF4-FFF2-40B4-BE49-F238E27FC236}">
+                <a16:creationId xmlns:a16="http://schemas.microsoft.com/office/drawing/2014/main" id="{0C0AADC0-7A5A-89B5-360C-BF356A032D9E}"/>
+              </a:ext>
+            </a:extLst>
+          </p:cNvPr>
+          <p:cNvPicPr>
+            <a:picLocks noChangeAspect="1"/>
+          </p:cNvPicPr>
+          <p:nvPr/>
+        </p:nvPicPr>
+        <p:blipFill>
+          <a:blip r:embed="rId2"/>
+          <a:stretch>
+            <a:fillRect/>
+          </a:stretch>
+        </p:blipFill>
+        <p:spPr>
+          <a:xfrm>
+            <a:off x="34448" y="3785026"/>
+            <a:ext cx="4774366" cy="2707849"/>
+          </a:xfrm>
+          <a:prstGeom prst="rect">
+            <a:avLst/>
+          </a:prstGeom>
+        </p:spPr>
+      </p:pic>
+      <p:pic>
+        <p:nvPicPr>
+          <p:cNvPr id="17" name="Image 16">
+            <a:extLst>
+              <a:ext uri="{FF2B5EF4-FFF2-40B4-BE49-F238E27FC236}">
+                <a16:creationId xmlns:a16="http://schemas.microsoft.com/office/drawing/2014/main" id="{3D2173EA-D27F-01B4-31A2-030F1763A1E8}"/>
+              </a:ext>
+            </a:extLst>
+          </p:cNvPr>
+          <p:cNvPicPr>
+            <a:picLocks noChangeAspect="1"/>
+          </p:cNvPicPr>
+          <p:nvPr/>
+        </p:nvPicPr>
+        <p:blipFill>
+          <a:blip r:embed="rId3"/>
+          <a:stretch>
+            <a:fillRect/>
+          </a:stretch>
+        </p:blipFill>
+        <p:spPr>
+          <a:xfrm>
+            <a:off x="4761151" y="3785025"/>
+            <a:ext cx="3022545" cy="2707849"/>
+          </a:xfrm>
+          <a:prstGeom prst="rect">
+            <a:avLst/>
+          </a:prstGeom>
+        </p:spPr>
+      </p:pic>
+      <p:sp>
+        <p:nvSpPr>
+          <p:cNvPr id="18" name="ZoneTexte 17">
+            <a:extLst>
+              <a:ext uri="{FF2B5EF4-FFF2-40B4-BE49-F238E27FC236}">
+                <a16:creationId xmlns:a16="http://schemas.microsoft.com/office/drawing/2014/main" id="{D8AC7C32-2A29-C392-711F-585EC7D68A72}"/>
+              </a:ext>
+            </a:extLst>
+          </p:cNvPr>
+          <p:cNvSpPr txBox="1"/>
+          <p:nvPr/>
+        </p:nvSpPr>
+        <p:spPr>
+          <a:xfrm>
+            <a:off x="4808814" y="2876377"/>
+            <a:ext cx="2974157" cy="369332"/>
+          </a:xfrm>
+          <a:prstGeom prst="rect">
+            <a:avLst/>
+          </a:prstGeom>
+          <a:noFill/>
+        </p:spPr>
+        <p:txBody>
+          <a:bodyPr wrap="square" rtlCol="0">
+            <a:spAutoFit/>
+          </a:bodyPr>
+          <a:lstStyle/>
+          <a:p>
+            <a:pPr algn="ctr"/>
+            <a:r>
+              <a:rPr lang="fr-FR" b="1" i="1" dirty="0"/>
+              <a:t>Partnership A contacter</a:t>
+            </a:r>
+          </a:p>
+        </p:txBody>
+      </p:sp>
+      <p:pic>
+        <p:nvPicPr>
+          <p:cNvPr id="20" name="Image 19">
+            <a:extLst>
+              <a:ext uri="{FF2B5EF4-FFF2-40B4-BE49-F238E27FC236}">
+                <a16:creationId xmlns:a16="http://schemas.microsoft.com/office/drawing/2014/main" id="{F849439C-C164-089C-E90C-90CB1558E653}"/>
+              </a:ext>
+            </a:extLst>
+          </p:cNvPr>
+          <p:cNvPicPr>
+            <a:picLocks noChangeAspect="1"/>
+          </p:cNvPicPr>
+          <p:nvPr/>
+        </p:nvPicPr>
+        <p:blipFill rotWithShape="1">
+          <a:blip r:embed="rId4"/>
+          <a:srcRect r="68586"/>
+          <a:stretch/>
+        </p:blipFill>
+        <p:spPr>
+          <a:xfrm>
+            <a:off x="7984945" y="3374375"/>
+            <a:ext cx="1807809" cy="3223259"/>
+          </a:xfrm>
+          <a:prstGeom prst="rect">
+            <a:avLst/>
+          </a:prstGeom>
+        </p:spPr>
+      </p:pic>
+      <p:pic>
+        <p:nvPicPr>
+          <p:cNvPr id="22" name="Image 21">
+            <a:extLst>
+              <a:ext uri="{FF2B5EF4-FFF2-40B4-BE49-F238E27FC236}">
+                <a16:creationId xmlns:a16="http://schemas.microsoft.com/office/drawing/2014/main" id="{4C36723B-8FB6-0102-0E5E-FB580926F8D9}"/>
+              </a:ext>
+            </a:extLst>
+          </p:cNvPr>
+          <p:cNvPicPr>
+            <a:picLocks noChangeAspect="1"/>
+          </p:cNvPicPr>
+          <p:nvPr/>
+        </p:nvPicPr>
+        <p:blipFill rotWithShape="1">
+          <a:blip r:embed="rId5"/>
+          <a:srcRect l="-219" r="7595"/>
+          <a:stretch/>
+        </p:blipFill>
+        <p:spPr>
+          <a:xfrm>
+            <a:off x="10063631" y="3483624"/>
+            <a:ext cx="1996346" cy="3114010"/>
+          </a:xfrm>
+          <a:prstGeom prst="rect">
+            <a:avLst/>
+          </a:prstGeom>
+        </p:spPr>
+      </p:pic>
+      <p:sp>
+        <p:nvSpPr>
+          <p:cNvPr id="23" name="ZoneTexte 22">
+            <a:extLst>
+              <a:ext uri="{FF2B5EF4-FFF2-40B4-BE49-F238E27FC236}">
+                <a16:creationId xmlns:a16="http://schemas.microsoft.com/office/drawing/2014/main" id="{BC282133-C338-8D57-040A-7D7C96E48400}"/>
+              </a:ext>
+            </a:extLst>
+          </p:cNvPr>
+          <p:cNvSpPr txBox="1"/>
+          <p:nvPr/>
+        </p:nvSpPr>
+        <p:spPr>
+          <a:xfrm>
+            <a:off x="7904250" y="2863877"/>
+            <a:ext cx="1888504" cy="369332"/>
+          </a:xfrm>
+          <a:prstGeom prst="rect">
+            <a:avLst/>
+          </a:prstGeom>
+          <a:noFill/>
+        </p:spPr>
+        <p:txBody>
+          <a:bodyPr wrap="square" rtlCol="0">
+            <a:spAutoFit/>
+          </a:bodyPr>
+          <a:lstStyle/>
+          <a:p>
+            <a:pPr algn="ctr"/>
+            <a:r>
+              <a:rPr lang="fr-FR" b="1" i="1" dirty="0"/>
+              <a:t>Tensions géo</a:t>
+            </a:r>
+          </a:p>
+        </p:txBody>
+      </p:sp>
+      <p:sp>
+        <p:nvSpPr>
+          <p:cNvPr id="24" name="ZoneTexte 23">
+            <a:extLst>
+              <a:ext uri="{FF2B5EF4-FFF2-40B4-BE49-F238E27FC236}">
+                <a16:creationId xmlns:a16="http://schemas.microsoft.com/office/drawing/2014/main" id="{F962AD34-95A6-947C-3FD0-328A32B22B92}"/>
+              </a:ext>
+            </a:extLst>
+          </p:cNvPr>
+          <p:cNvSpPr txBox="1"/>
+          <p:nvPr/>
+        </p:nvSpPr>
+        <p:spPr>
+          <a:xfrm>
+            <a:off x="9964007" y="2874506"/>
+            <a:ext cx="1888504" cy="369332"/>
+          </a:xfrm>
+          <a:prstGeom prst="rect">
+            <a:avLst/>
+          </a:prstGeom>
+          <a:noFill/>
+        </p:spPr>
+        <p:txBody>
+          <a:bodyPr wrap="square" rtlCol="0">
+            <a:spAutoFit/>
+          </a:bodyPr>
+          <a:lstStyle/>
+          <a:p>
+            <a:pPr algn="ctr"/>
+            <a:r>
+              <a:rPr lang="fr-FR" b="1" i="1" dirty="0"/>
+              <a:t>Répartition géo</a:t>
+            </a:r>
+          </a:p>
+        </p:txBody>
+      </p:sp>
+    </p:spTree>
+    <p:extLst>
+      <p:ext uri="{BB962C8B-B14F-4D97-AF65-F5344CB8AC3E}">
+        <p14:creationId xmlns:p14="http://schemas.microsoft.com/office/powerpoint/2010/main" val="3875788116"/>
+      </p:ext>
+    </p:extLst>
+  </p:cSld>
+  <p:clrMapOvr>
+    <a:masterClrMapping/>
+  </p:clrMapOvr>
+</p:sld>
+</file>
+
+<file path=ppt/slides/slide11.xml><?xml version="1.0" encoding="utf-8"?>
+<p:sld xmlns:a="http://schemas.openxmlformats.org/drawingml/2006/main" xmlns:r="http://schemas.openxmlformats.org/officeDocument/2006/relationships" xmlns:p="http://schemas.openxmlformats.org/presentationml/2006/main">
+  <p:cSld>
+    <p:spTree>
+      <p:nvGrpSpPr>
+        <p:cNvPr id="1" name=""/>
+        <p:cNvGrpSpPr/>
+        <p:nvPr/>
+      </p:nvGrpSpPr>
+      <p:grpSpPr>
+        <a:xfrm>
+          <a:off x="0" y="0"/>
+          <a:ext cx="0" cy="0"/>
+          <a:chOff x="0" y="0"/>
+          <a:chExt cx="0" cy="0"/>
+        </a:xfrm>
+      </p:grpSpPr>
+      <p:sp>
+        <p:nvSpPr>
+          <p:cNvPr id="2" name="Titre 1">
+            <a:extLst>
+              <a:ext uri="{FF2B5EF4-FFF2-40B4-BE49-F238E27FC236}">
+                <a16:creationId xmlns:a16="http://schemas.microsoft.com/office/drawing/2014/main" id="{6B2038E8-E7D5-CBF8-0FE1-F55A18AE21BF}"/>
+              </a:ext>
+            </a:extLst>
+          </p:cNvPr>
+          <p:cNvSpPr>
+            <a:spLocks noGrp="1"/>
+          </p:cNvSpPr>
+          <p:nvPr>
+            <p:ph type="title"/>
+          </p:nvPr>
+        </p:nvSpPr>
+        <p:spPr/>
+        <p:txBody>
+          <a:bodyPr/>
+          <a:lstStyle/>
+          <a:p>
+            <a:r>
+              <a:rPr lang="fr-FR" dirty="0"/>
+              <a:t>Préconisations</a:t>
+            </a:r>
+          </a:p>
+        </p:txBody>
+      </p:sp>
+      <p:sp>
+        <p:nvSpPr>
+          <p:cNvPr id="3" name="Espace réservé du contenu 2">
+            <a:extLst>
+              <a:ext uri="{FF2B5EF4-FFF2-40B4-BE49-F238E27FC236}">
+                <a16:creationId xmlns:a16="http://schemas.microsoft.com/office/drawing/2014/main" id="{CD0E8BC7-5108-749D-4EC5-4B235D461D2C}"/>
+              </a:ext>
+            </a:extLst>
+          </p:cNvPr>
+          <p:cNvSpPr>
+            <a:spLocks noGrp="1"/>
+          </p:cNvSpPr>
+          <p:nvPr>
+            <p:ph idx="1"/>
+          </p:nvPr>
+        </p:nvSpPr>
+        <p:spPr>
+          <a:xfrm>
+            <a:off x="838200" y="1890075"/>
+            <a:ext cx="10515600" cy="4286888"/>
+          </a:xfrm>
+        </p:spPr>
+        <p:txBody>
+          <a:bodyPr>
+            <a:normAutofit/>
+          </a:bodyPr>
+          <a:lstStyle/>
+          <a:p>
+            <a:pPr marL="457200" lvl="1" indent="0">
+              <a:buNone/>
+            </a:pPr>
+            <a:r>
+              <a:rPr lang="en-US" sz="1800" b="1" dirty="0"/>
+              <a:t>Objectif : “Faire </a:t>
+            </a:r>
+            <a:r>
+              <a:rPr lang="en-US" sz="1800" b="1" dirty="0" err="1"/>
+              <a:t>en</a:t>
+            </a:r>
+            <a:r>
+              <a:rPr lang="en-US" sz="1800" b="1" dirty="0"/>
+              <a:t> </a:t>
+            </a:r>
+            <a:r>
+              <a:rPr lang="en-US" sz="1800" b="1" dirty="0" err="1"/>
+              <a:t>sorte</a:t>
+            </a:r>
+            <a:r>
+              <a:rPr lang="en-US" sz="1800" b="1" dirty="0"/>
+              <a:t> que la </a:t>
+            </a:r>
+            <a:r>
+              <a:rPr lang="en-US" sz="1800" b="1" dirty="0" err="1"/>
+              <a:t>campagne</a:t>
+            </a:r>
+            <a:r>
+              <a:rPr lang="en-US" sz="1800" b="1" dirty="0"/>
+              <a:t> de vaccination se passe bien </a:t>
+            </a:r>
+            <a:r>
+              <a:rPr lang="en-US" sz="1800" b="1" dirty="0" err="1"/>
+              <a:t>en</a:t>
+            </a:r>
+            <a:r>
+              <a:rPr lang="en-US" sz="1800" b="1" dirty="0"/>
+              <a:t> integrant la dimension business” </a:t>
+            </a:r>
+          </a:p>
+          <a:p>
+            <a:pPr marL="457200" lvl="1" indent="0">
+              <a:buNone/>
+            </a:pPr>
+            <a:r>
+              <a:rPr lang="en-US" sz="1800" b="1" dirty="0" err="1"/>
+              <a:t>Problématique</a:t>
+            </a:r>
+            <a:r>
+              <a:rPr lang="en-US" sz="1800" b="1" dirty="0"/>
+              <a:t> : “</a:t>
+            </a:r>
+            <a:r>
+              <a:rPr lang="en-US" sz="1800" b="1" dirty="0" err="1"/>
+              <a:t>Quelles</a:t>
+            </a:r>
+            <a:r>
+              <a:rPr lang="en-US" sz="1800" b="1" dirty="0"/>
+              <a:t> features </a:t>
+            </a:r>
+            <a:r>
+              <a:rPr lang="en-US" sz="1800" b="1" dirty="0" err="1"/>
+              <a:t>developper</a:t>
+            </a:r>
+            <a:r>
+              <a:rPr lang="en-US" sz="1800" b="1" dirty="0"/>
+              <a:t> pour </a:t>
+            </a:r>
+            <a:r>
+              <a:rPr lang="en-US" sz="1800" b="1" dirty="0" err="1"/>
+              <a:t>répondre</a:t>
+            </a:r>
+            <a:r>
+              <a:rPr lang="en-US" sz="1800" b="1" dirty="0"/>
+              <a:t> à </a:t>
+            </a:r>
+            <a:r>
+              <a:rPr lang="en-US" sz="1800" b="1" dirty="0" err="1"/>
+              <a:t>l’objectif</a:t>
+            </a:r>
+            <a:r>
+              <a:rPr lang="en-US" sz="1800" b="1" dirty="0"/>
+              <a:t> ?”</a:t>
+            </a:r>
+          </a:p>
+          <a:p>
+            <a:pPr marL="457200" lvl="1" indent="0">
+              <a:buNone/>
+            </a:pPr>
+            <a:endParaRPr lang="en-US" sz="1800" b="1" dirty="0"/>
+          </a:p>
+          <a:p>
+            <a:pPr marL="457200" lvl="1" indent="0">
+              <a:buNone/>
+            </a:pPr>
+            <a:r>
+              <a:rPr lang="fr-FR" sz="1800" b="1" dirty="0" err="1"/>
+              <a:t>Core</a:t>
+            </a:r>
+            <a:r>
+              <a:rPr lang="fr-FR" sz="1800" b="1" dirty="0"/>
+              <a:t> data team :</a:t>
+            </a:r>
+          </a:p>
+          <a:p>
+            <a:pPr marL="457200" lvl="1" indent="0">
+              <a:buNone/>
+            </a:pPr>
+            <a:r>
+              <a:rPr lang="fr-FR" sz="1400" dirty="0"/>
+              <a:t>Un panel pour les centres de vaccination incluant :</a:t>
+            </a:r>
+          </a:p>
+          <a:p>
+            <a:pPr lvl="2"/>
+            <a:r>
+              <a:rPr lang="fr-FR" sz="1200" dirty="0"/>
+              <a:t>Un système de notification pour informer les centres de vaccination lorsqu'ils sont en danger de manquer de stock de vaccins</a:t>
+            </a:r>
+          </a:p>
+          <a:p>
+            <a:pPr lvl="3"/>
+            <a:r>
+              <a:rPr lang="fr-FR" sz="1100" b="1" dirty="0"/>
+              <a:t>(Nb de doses allouées vs nb de rendez vous pris)</a:t>
+            </a:r>
+            <a:endParaRPr lang="en-US" sz="1100" b="1" dirty="0"/>
+          </a:p>
+          <a:p>
+            <a:pPr lvl="2"/>
+            <a:r>
+              <a:rPr lang="fr-FR" sz="1200" dirty="0"/>
+              <a:t>Une fonctionnalité pour permettre aux centres de vaccination de signaler lorsqu'ils ont besoin de plus de personnel pour aider à administrer les vaccins</a:t>
+            </a:r>
+          </a:p>
+          <a:p>
+            <a:pPr lvl="3"/>
+            <a:r>
+              <a:rPr lang="fr-FR" sz="1200" b="1" dirty="0"/>
+              <a:t>(Rendez vous prévus S+1)</a:t>
+            </a:r>
+          </a:p>
+          <a:p>
+            <a:pPr marL="457200" lvl="1" indent="0">
+              <a:buNone/>
+            </a:pPr>
+            <a:endParaRPr lang="fr-FR" sz="1400" dirty="0"/>
+          </a:p>
+          <a:p>
+            <a:pPr marL="457200" lvl="1" indent="0">
+              <a:buNone/>
+            </a:pPr>
+            <a:r>
+              <a:rPr lang="fr-FR" sz="1800" b="1" dirty="0"/>
+              <a:t>Business</a:t>
+            </a:r>
+            <a:r>
+              <a:rPr lang="fr-FR" sz="1400" dirty="0"/>
+              <a:t> :</a:t>
+            </a:r>
+          </a:p>
+          <a:p>
+            <a:pPr marL="457200" lvl="1" indent="0">
+              <a:buNone/>
+            </a:pPr>
+            <a:r>
+              <a:rPr lang="fr-FR" sz="1400" dirty="0"/>
+              <a:t>	Démarcher les centres de vaccinations/pharmacies non affiliés afin de les référencer sur Doctolib</a:t>
+            </a:r>
+            <a:endParaRPr lang="fr-FR" sz="1000" dirty="0"/>
+          </a:p>
+          <a:p>
+            <a:pPr marL="457200" lvl="1" indent="0">
+              <a:buNone/>
+            </a:pPr>
+            <a:r>
+              <a:rPr lang="fr-FR" sz="1000" dirty="0"/>
+              <a:t>	</a:t>
+            </a:r>
+            <a:r>
+              <a:rPr lang="fr-FR" sz="1400" dirty="0"/>
+              <a:t>Revendre les données collectées sur les prises de rendez vous  </a:t>
+            </a:r>
+          </a:p>
+          <a:p>
+            <a:pPr marL="457200" lvl="1" indent="0">
+              <a:buNone/>
+            </a:pPr>
+            <a:r>
+              <a:rPr lang="fr-FR" sz="1400" dirty="0"/>
+              <a:t>	Produire des produits sur étagères pour que Doctolib Allemagne et Italie puissent enrichir leur offre</a:t>
+            </a:r>
+          </a:p>
+        </p:txBody>
+      </p:sp>
+      <p:sp>
+        <p:nvSpPr>
+          <p:cNvPr id="4" name="Rectangle 3">
+            <a:extLst>
+              <a:ext uri="{FF2B5EF4-FFF2-40B4-BE49-F238E27FC236}">
+                <a16:creationId xmlns:a16="http://schemas.microsoft.com/office/drawing/2014/main" id="{548D4AF5-0A2C-4539-602E-436C7F92D435}"/>
+              </a:ext>
+            </a:extLst>
+          </p:cNvPr>
+          <p:cNvSpPr/>
+          <p:nvPr/>
+        </p:nvSpPr>
+        <p:spPr>
+          <a:xfrm>
+            <a:off x="1" y="-42420"/>
+            <a:ext cx="12192000" cy="565608"/>
+          </a:xfrm>
+          <a:prstGeom prst="rect">
+            <a:avLst/>
+          </a:prstGeom>
+          <a:solidFill>
+            <a:schemeClr val="accent6"/>
+          </a:solidFill>
+          <a:ln>
+            <a:solidFill>
+              <a:schemeClr val="accent6"/>
+            </a:solidFill>
+          </a:ln>
+        </p:spPr>
+        <p:style>
+          <a:lnRef idx="2">
+            <a:schemeClr val="accent1">
+              <a:shade val="50000"/>
+            </a:schemeClr>
+          </a:lnRef>
+          <a:fillRef idx="1">
+            <a:schemeClr val="accent1"/>
+          </a:fillRef>
+          <a:effectRef idx="0">
+            <a:schemeClr val="accent1"/>
+          </a:effectRef>
+          <a:fontRef idx="minor">
+            <a:schemeClr val="lt1"/>
+          </a:fontRef>
+        </p:style>
+        <p:txBody>
+          <a:bodyPr rtlCol="0" anchor="ctr"/>
+          <a:lstStyle/>
+          <a:p>
+            <a:pPr algn="ctr"/>
+            <a:r>
+              <a:rPr lang="fr-FR" dirty="0"/>
+              <a:t>Data </a:t>
+            </a:r>
+            <a:r>
+              <a:rPr lang="fr-FR" dirty="0" err="1"/>
+              <a:t>Core</a:t>
+            </a:r>
+            <a:r>
+              <a:rPr lang="fr-FR" dirty="0"/>
+              <a:t> Team</a:t>
+            </a:r>
+          </a:p>
+        </p:txBody>
+      </p:sp>
+    </p:spTree>
+    <p:extLst>
+      <p:ext uri="{BB962C8B-B14F-4D97-AF65-F5344CB8AC3E}">
+        <p14:creationId xmlns:p14="http://schemas.microsoft.com/office/powerpoint/2010/main" val="414171446"/>
+      </p:ext>
+    </p:extLst>
+  </p:cSld>
+  <p:clrMapOvr>
+    <a:masterClrMapping/>
+  </p:clrMapOvr>
+</p:sld>
+</file>
+
+<file path=ppt/slides/slide12.xml><?xml version="1.0" encoding="utf-8"?>
+<p:sld xmlns:a="http://schemas.openxmlformats.org/drawingml/2006/main" xmlns:r="http://schemas.openxmlformats.org/officeDocument/2006/relationships" xmlns:p="http://schemas.openxmlformats.org/presentationml/2006/main">
+  <p:cSld>
+    <p:spTree>
+      <p:nvGrpSpPr>
+        <p:cNvPr id="1" name=""/>
+        <p:cNvGrpSpPr/>
+        <p:nvPr/>
+      </p:nvGrpSpPr>
+      <p:grpSpPr>
+        <a:xfrm>
+          <a:off x="0" y="0"/>
+          <a:ext cx="0" cy="0"/>
+          <a:chOff x="0" y="0"/>
+          <a:chExt cx="0" cy="0"/>
+        </a:xfrm>
+      </p:grpSpPr>
+      <p:sp>
+        <p:nvSpPr>
+          <p:cNvPr id="2" name="Titre 1">
+            <a:extLst>
+              <a:ext uri="{FF2B5EF4-FFF2-40B4-BE49-F238E27FC236}">
+                <a16:creationId xmlns:a16="http://schemas.microsoft.com/office/drawing/2014/main" id="{6B2038E8-E7D5-CBF8-0FE1-F55A18AE21BF}"/>
+              </a:ext>
+            </a:extLst>
+          </p:cNvPr>
+          <p:cNvSpPr>
+            <a:spLocks noGrp="1"/>
+          </p:cNvSpPr>
+          <p:nvPr>
+            <p:ph type="title"/>
+          </p:nvPr>
+        </p:nvSpPr>
+        <p:spPr/>
+        <p:txBody>
+          <a:bodyPr/>
+          <a:lstStyle/>
+          <a:p>
+            <a:r>
+              <a:rPr lang="fr-FR" dirty="0"/>
+              <a:t>Résultats attendus par la PM</a:t>
+            </a:r>
+          </a:p>
+        </p:txBody>
+      </p:sp>
+      <p:sp>
+        <p:nvSpPr>
+          <p:cNvPr id="4" name="Rectangle 3">
+            <a:extLst>
+              <a:ext uri="{FF2B5EF4-FFF2-40B4-BE49-F238E27FC236}">
+                <a16:creationId xmlns:a16="http://schemas.microsoft.com/office/drawing/2014/main" id="{548D4AF5-0A2C-4539-602E-436C7F92D435}"/>
+              </a:ext>
+            </a:extLst>
+          </p:cNvPr>
+          <p:cNvSpPr/>
+          <p:nvPr/>
+        </p:nvSpPr>
+        <p:spPr>
+          <a:xfrm>
+            <a:off x="1" y="-42420"/>
+            <a:ext cx="12192000" cy="565608"/>
+          </a:xfrm>
+          <a:prstGeom prst="rect">
+            <a:avLst/>
+          </a:prstGeom>
+        </p:spPr>
+        <p:style>
+          <a:lnRef idx="2">
+            <a:schemeClr val="accent1">
+              <a:shade val="50000"/>
+            </a:schemeClr>
+          </a:lnRef>
+          <a:fillRef idx="1">
+            <a:schemeClr val="accent1"/>
+          </a:fillRef>
+          <a:effectRef idx="0">
+            <a:schemeClr val="accent1"/>
+          </a:effectRef>
+          <a:fontRef idx="minor">
+            <a:schemeClr val="lt1"/>
+          </a:fontRef>
+        </p:style>
+        <p:txBody>
+          <a:bodyPr rtlCol="0" anchor="ctr"/>
+          <a:lstStyle/>
+          <a:p>
+            <a:pPr algn="ctr"/>
+            <a:r>
+              <a:rPr lang="fr-FR" dirty="0"/>
+              <a:t>Annexes</a:t>
+            </a:r>
+          </a:p>
+        </p:txBody>
+      </p:sp>
+      <p:pic>
+        <p:nvPicPr>
+          <p:cNvPr id="8" name="Image 7">
+            <a:extLst>
+              <a:ext uri="{FF2B5EF4-FFF2-40B4-BE49-F238E27FC236}">
+                <a16:creationId xmlns:a16="http://schemas.microsoft.com/office/drawing/2014/main" id="{5B8C96DE-57FA-F088-E7E6-554E653488EF}"/>
+              </a:ext>
+            </a:extLst>
+          </p:cNvPr>
+          <p:cNvPicPr>
+            <a:picLocks noChangeAspect="1"/>
+          </p:cNvPicPr>
+          <p:nvPr/>
+        </p:nvPicPr>
+        <p:blipFill>
+          <a:blip r:embed="rId2"/>
+          <a:stretch>
+            <a:fillRect/>
+          </a:stretch>
+        </p:blipFill>
+        <p:spPr>
+          <a:xfrm>
+            <a:off x="1217589" y="1502551"/>
+            <a:ext cx="9128330" cy="5166914"/>
+          </a:xfrm>
+          <a:prstGeom prst="rect">
+            <a:avLst/>
+          </a:prstGeom>
+        </p:spPr>
+      </p:pic>
+    </p:spTree>
+    <p:extLst>
+      <p:ext uri="{BB962C8B-B14F-4D97-AF65-F5344CB8AC3E}">
+        <p14:creationId xmlns:p14="http://schemas.microsoft.com/office/powerpoint/2010/main" val="2942809793"/>
+      </p:ext>
+    </p:extLst>
+  </p:cSld>
+  <p:clrMapOvr>
+    <a:masterClrMapping/>
+  </p:clrMapOvr>
+</p:sld>
+</file>
+
+<file path=ppt/slides/slide13.xml><?xml version="1.0" encoding="utf-8"?>
+<p:sld xmlns:a="http://schemas.openxmlformats.org/drawingml/2006/main" xmlns:r="http://schemas.openxmlformats.org/officeDocument/2006/relationships" xmlns:p="http://schemas.openxmlformats.org/presentationml/2006/main">
+  <p:cSld>
+    <p:spTree>
+      <p:nvGrpSpPr>
+        <p:cNvPr id="1" name=""/>
+        <p:cNvGrpSpPr/>
+        <p:nvPr/>
+      </p:nvGrpSpPr>
+      <p:grpSpPr>
+        <a:xfrm>
+          <a:off x="0" y="0"/>
+          <a:ext cx="0" cy="0"/>
+          <a:chOff x="0" y="0"/>
+          <a:chExt cx="0" cy="0"/>
+        </a:xfrm>
+      </p:grpSpPr>
+      <p:sp>
+        <p:nvSpPr>
+          <p:cNvPr id="2" name="Titre 1">
+            <a:extLst>
+              <a:ext uri="{FF2B5EF4-FFF2-40B4-BE49-F238E27FC236}">
+                <a16:creationId xmlns:a16="http://schemas.microsoft.com/office/drawing/2014/main" id="{6B2038E8-E7D5-CBF8-0FE1-F55A18AE21BF}"/>
+              </a:ext>
+            </a:extLst>
+          </p:cNvPr>
+          <p:cNvSpPr>
+            <a:spLocks noGrp="1"/>
+          </p:cNvSpPr>
+          <p:nvPr>
+            <p:ph type="title"/>
+          </p:nvPr>
+        </p:nvSpPr>
+        <p:spPr/>
+        <p:txBody>
+          <a:bodyPr/>
+          <a:lstStyle/>
+          <a:p>
+            <a:r>
+              <a:rPr lang="fr-FR" dirty="0"/>
+              <a:t>Centres vaccinaux non affiliés</a:t>
+            </a:r>
+          </a:p>
+        </p:txBody>
+      </p:sp>
+      <p:sp>
+        <p:nvSpPr>
+          <p:cNvPr id="4" name="Rectangle 3">
+            <a:extLst>
+              <a:ext uri="{FF2B5EF4-FFF2-40B4-BE49-F238E27FC236}">
+                <a16:creationId xmlns:a16="http://schemas.microsoft.com/office/drawing/2014/main" id="{548D4AF5-0A2C-4539-602E-436C7F92D435}"/>
+              </a:ext>
+            </a:extLst>
+          </p:cNvPr>
+          <p:cNvSpPr/>
+          <p:nvPr/>
+        </p:nvSpPr>
+        <p:spPr>
+          <a:xfrm>
+            <a:off x="1" y="-42420"/>
+            <a:ext cx="12192000" cy="565608"/>
+          </a:xfrm>
+          <a:prstGeom prst="rect">
+            <a:avLst/>
+          </a:prstGeom>
+        </p:spPr>
+        <p:style>
+          <a:lnRef idx="2">
+            <a:schemeClr val="accent1">
+              <a:shade val="50000"/>
+            </a:schemeClr>
+          </a:lnRef>
+          <a:fillRef idx="1">
+            <a:schemeClr val="accent1"/>
+          </a:fillRef>
+          <a:effectRef idx="0">
+            <a:schemeClr val="accent1"/>
+          </a:effectRef>
+          <a:fontRef idx="minor">
+            <a:schemeClr val="lt1"/>
+          </a:fontRef>
+        </p:style>
+        <p:txBody>
+          <a:bodyPr rtlCol="0" anchor="ctr"/>
+          <a:lstStyle/>
+          <a:p>
+            <a:pPr algn="ctr"/>
+            <a:r>
+              <a:rPr lang="fr-FR" dirty="0"/>
+              <a:t>Annexes</a:t>
+            </a:r>
+          </a:p>
+        </p:txBody>
+      </p:sp>
+      <p:pic>
+        <p:nvPicPr>
+          <p:cNvPr id="5" name="Image 4">
+            <a:extLst>
+              <a:ext uri="{FF2B5EF4-FFF2-40B4-BE49-F238E27FC236}">
+                <a16:creationId xmlns:a16="http://schemas.microsoft.com/office/drawing/2014/main" id="{1D1DA74B-BA8D-95ED-61FC-3DE915579D8A}"/>
+              </a:ext>
+            </a:extLst>
+          </p:cNvPr>
+          <p:cNvPicPr>
+            <a:picLocks noChangeAspect="1"/>
+          </p:cNvPicPr>
+          <p:nvPr/>
+        </p:nvPicPr>
+        <p:blipFill>
+          <a:blip r:embed="rId2"/>
+          <a:stretch>
+            <a:fillRect/>
+          </a:stretch>
+        </p:blipFill>
+        <p:spPr>
+          <a:xfrm>
+            <a:off x="2728349" y="1444808"/>
+            <a:ext cx="5689788" cy="4859605"/>
+          </a:xfrm>
+          <a:prstGeom prst="rect">
+            <a:avLst/>
+          </a:prstGeom>
+        </p:spPr>
+      </p:pic>
+    </p:spTree>
+    <p:extLst>
+      <p:ext uri="{BB962C8B-B14F-4D97-AF65-F5344CB8AC3E}">
+        <p14:creationId xmlns:p14="http://schemas.microsoft.com/office/powerpoint/2010/main" val="3840151708"/>
+      </p:ext>
+    </p:extLst>
+  </p:cSld>
+  <p:clrMapOvr>
+    <a:masterClrMapping/>
+  </p:clrMapOvr>
+</p:sld>
+</file>
+
+<file path=ppt/slides/slide14.xml><?xml version="1.0" encoding="utf-8"?>
+<p:sld xmlns:a="http://schemas.openxmlformats.org/drawingml/2006/main" xmlns:r="http://schemas.openxmlformats.org/officeDocument/2006/relationships" xmlns:p="http://schemas.openxmlformats.org/presentationml/2006/main">
+  <p:cSld>
+    <p:spTree>
+      <p:nvGrpSpPr>
+        <p:cNvPr id="1" name=""/>
+        <p:cNvGrpSpPr/>
+        <p:nvPr/>
+      </p:nvGrpSpPr>
+      <p:grpSpPr>
+        <a:xfrm>
+          <a:off x="0" y="0"/>
+          <a:ext cx="0" cy="0"/>
+          <a:chOff x="0" y="0"/>
+          <a:chExt cx="0" cy="0"/>
+        </a:xfrm>
+      </p:grpSpPr>
+      <p:sp>
+        <p:nvSpPr>
+          <p:cNvPr id="2" name="Titre 1">
+            <a:extLst>
+              <a:ext uri="{FF2B5EF4-FFF2-40B4-BE49-F238E27FC236}">
+                <a16:creationId xmlns:a16="http://schemas.microsoft.com/office/drawing/2014/main" id="{6B2038E8-E7D5-CBF8-0FE1-F55A18AE21BF}"/>
+              </a:ext>
+            </a:extLst>
+          </p:cNvPr>
+          <p:cNvSpPr>
+            <a:spLocks noGrp="1"/>
+          </p:cNvSpPr>
+          <p:nvPr>
+            <p:ph type="title"/>
+          </p:nvPr>
+        </p:nvSpPr>
+        <p:spPr/>
+        <p:txBody>
+          <a:bodyPr/>
+          <a:lstStyle/>
+          <a:p>
+            <a:r>
+              <a:rPr lang="fr-FR" dirty="0"/>
+              <a:t>Tensions - GEO</a:t>
+            </a:r>
+          </a:p>
+        </p:txBody>
+      </p:sp>
+      <p:sp>
+        <p:nvSpPr>
+          <p:cNvPr id="4" name="Rectangle 3">
+            <a:extLst>
+              <a:ext uri="{FF2B5EF4-FFF2-40B4-BE49-F238E27FC236}">
+                <a16:creationId xmlns:a16="http://schemas.microsoft.com/office/drawing/2014/main" id="{548D4AF5-0A2C-4539-602E-436C7F92D435}"/>
+              </a:ext>
+            </a:extLst>
+          </p:cNvPr>
+          <p:cNvSpPr/>
+          <p:nvPr/>
+        </p:nvSpPr>
+        <p:spPr>
+          <a:xfrm>
+            <a:off x="1" y="-42420"/>
+            <a:ext cx="12192000" cy="565608"/>
+          </a:xfrm>
+          <a:prstGeom prst="rect">
+            <a:avLst/>
+          </a:prstGeom>
+        </p:spPr>
+        <p:style>
+          <a:lnRef idx="2">
+            <a:schemeClr val="accent1">
+              <a:shade val="50000"/>
+            </a:schemeClr>
+          </a:lnRef>
+          <a:fillRef idx="1">
+            <a:schemeClr val="accent1"/>
+          </a:fillRef>
+          <a:effectRef idx="0">
+            <a:schemeClr val="accent1"/>
+          </a:effectRef>
+          <a:fontRef idx="minor">
+            <a:schemeClr val="lt1"/>
+          </a:fontRef>
+        </p:style>
+        <p:txBody>
+          <a:bodyPr rtlCol="0" anchor="ctr"/>
+          <a:lstStyle/>
+          <a:p>
+            <a:pPr algn="ctr"/>
+            <a:r>
+              <a:rPr lang="fr-FR" dirty="0"/>
+              <a:t>Annexes</a:t>
+            </a:r>
+          </a:p>
+        </p:txBody>
+      </p:sp>
+      <p:pic>
+        <p:nvPicPr>
+          <p:cNvPr id="6" name="Image 5">
+            <a:extLst>
+              <a:ext uri="{FF2B5EF4-FFF2-40B4-BE49-F238E27FC236}">
+                <a16:creationId xmlns:a16="http://schemas.microsoft.com/office/drawing/2014/main" id="{938DE45A-4F44-01B5-B4C9-8A87728E9A3A}"/>
+              </a:ext>
+            </a:extLst>
+          </p:cNvPr>
+          <p:cNvPicPr>
+            <a:picLocks noChangeAspect="1"/>
+          </p:cNvPicPr>
+          <p:nvPr/>
+        </p:nvPicPr>
+        <p:blipFill>
+          <a:blip r:embed="rId2"/>
+          <a:stretch>
+            <a:fillRect/>
+          </a:stretch>
+        </p:blipFill>
+        <p:spPr>
+          <a:xfrm>
+            <a:off x="2046035" y="1656742"/>
+            <a:ext cx="8167907" cy="4689980"/>
+          </a:xfrm>
+          <a:prstGeom prst="rect">
+            <a:avLst/>
+          </a:prstGeom>
+        </p:spPr>
+      </p:pic>
+    </p:spTree>
+    <p:extLst>
+      <p:ext uri="{BB962C8B-B14F-4D97-AF65-F5344CB8AC3E}">
+        <p14:creationId xmlns:p14="http://schemas.microsoft.com/office/powerpoint/2010/main" val="2791288034"/>
+      </p:ext>
+    </p:extLst>
+  </p:cSld>
+  <p:clrMapOvr>
+    <a:masterClrMapping/>
+  </p:clrMapOvr>
+</p:sld>
+</file>
+
+<file path=ppt/slides/slide15.xml><?xml version="1.0" encoding="utf-8"?>
+<p:sld xmlns:a="http://schemas.openxmlformats.org/drawingml/2006/main" xmlns:r="http://schemas.openxmlformats.org/officeDocument/2006/relationships" xmlns:p="http://schemas.openxmlformats.org/presentationml/2006/main">
+  <p:cSld>
+    <p:spTree>
+      <p:nvGrpSpPr>
+        <p:cNvPr id="1" name=""/>
+        <p:cNvGrpSpPr/>
+        <p:nvPr/>
+      </p:nvGrpSpPr>
+      <p:grpSpPr>
+        <a:xfrm>
+          <a:off x="0" y="0"/>
+          <a:ext cx="0" cy="0"/>
+          <a:chOff x="0" y="0"/>
+          <a:chExt cx="0" cy="0"/>
+        </a:xfrm>
+      </p:grpSpPr>
+      <p:sp>
+        <p:nvSpPr>
+          <p:cNvPr id="2" name="Titre 1">
+            <a:extLst>
+              <a:ext uri="{FF2B5EF4-FFF2-40B4-BE49-F238E27FC236}">
+                <a16:creationId xmlns:a16="http://schemas.microsoft.com/office/drawing/2014/main" id="{6B2038E8-E7D5-CBF8-0FE1-F55A18AE21BF}"/>
+              </a:ext>
+            </a:extLst>
+          </p:cNvPr>
+          <p:cNvSpPr>
+            <a:spLocks noGrp="1"/>
+          </p:cNvSpPr>
+          <p:nvPr>
+            <p:ph type="title"/>
+          </p:nvPr>
+        </p:nvSpPr>
+        <p:spPr/>
+        <p:txBody>
+          <a:bodyPr/>
+          <a:lstStyle/>
+          <a:p>
+            <a:r>
+              <a:rPr lang="fr-FR" dirty="0"/>
+              <a:t>Etats des stocks vaccinaux</a:t>
+            </a:r>
+          </a:p>
+        </p:txBody>
+      </p:sp>
+      <p:sp>
+        <p:nvSpPr>
+          <p:cNvPr id="4" name="Rectangle 3">
+            <a:extLst>
+              <a:ext uri="{FF2B5EF4-FFF2-40B4-BE49-F238E27FC236}">
+                <a16:creationId xmlns:a16="http://schemas.microsoft.com/office/drawing/2014/main" id="{548D4AF5-0A2C-4539-602E-436C7F92D435}"/>
+              </a:ext>
+            </a:extLst>
+          </p:cNvPr>
+          <p:cNvSpPr/>
+          <p:nvPr/>
+        </p:nvSpPr>
+        <p:spPr>
+          <a:xfrm>
+            <a:off x="1" y="-42420"/>
+            <a:ext cx="12192000" cy="565608"/>
+          </a:xfrm>
+          <a:prstGeom prst="rect">
+            <a:avLst/>
+          </a:prstGeom>
+        </p:spPr>
+        <p:style>
+          <a:lnRef idx="2">
+            <a:schemeClr val="accent1">
+              <a:shade val="50000"/>
+            </a:schemeClr>
+          </a:lnRef>
+          <a:fillRef idx="1">
+            <a:schemeClr val="accent1"/>
+          </a:fillRef>
+          <a:effectRef idx="0">
+            <a:schemeClr val="accent1"/>
+          </a:effectRef>
+          <a:fontRef idx="minor">
+            <a:schemeClr val="lt1"/>
+          </a:fontRef>
+        </p:style>
+        <p:txBody>
+          <a:bodyPr rtlCol="0" anchor="ctr"/>
+          <a:lstStyle/>
+          <a:p>
+            <a:pPr algn="ctr"/>
+            <a:r>
+              <a:rPr lang="fr-FR" dirty="0"/>
+              <a:t>Annexes</a:t>
+            </a:r>
+          </a:p>
+        </p:txBody>
+      </p:sp>
+      <p:pic>
+        <p:nvPicPr>
+          <p:cNvPr id="5" name="Image 4">
+            <a:extLst>
+              <a:ext uri="{FF2B5EF4-FFF2-40B4-BE49-F238E27FC236}">
+                <a16:creationId xmlns:a16="http://schemas.microsoft.com/office/drawing/2014/main" id="{9D298683-9097-24BE-8B92-2736F70D1032}"/>
+              </a:ext>
+            </a:extLst>
+          </p:cNvPr>
+          <p:cNvPicPr>
+            <a:picLocks noChangeAspect="1"/>
+          </p:cNvPicPr>
+          <p:nvPr/>
+        </p:nvPicPr>
+        <p:blipFill>
+          <a:blip r:embed="rId2"/>
+          <a:stretch>
+            <a:fillRect/>
+          </a:stretch>
+        </p:blipFill>
+        <p:spPr>
+          <a:xfrm>
+            <a:off x="1003494" y="1620309"/>
+            <a:ext cx="8988920" cy="5020747"/>
+          </a:xfrm>
+          <a:prstGeom prst="rect">
+            <a:avLst/>
+          </a:prstGeom>
+        </p:spPr>
+      </p:pic>
+    </p:spTree>
+    <p:extLst>
+      <p:ext uri="{BB962C8B-B14F-4D97-AF65-F5344CB8AC3E}">
+        <p14:creationId xmlns:p14="http://schemas.microsoft.com/office/powerpoint/2010/main" val="4202338286"/>
       </p:ext>
     </p:extLst>
   </p:cSld>
@@ -3946,7 +5270,7 @@
             </a:pPr>
             <a:r>
               <a:rPr lang="fr-FR" dirty="0"/>
-              <a:t>Opportunités Business</a:t>
+              <a:t>Réponses aux questions</a:t>
             </a:r>
           </a:p>
           <a:p>
@@ -3955,12 +5279,8 @@
               <a:buAutoNum type="arabicPeriod"/>
             </a:pPr>
             <a:r>
-              <a:rPr lang="fr-FR" dirty="0" err="1"/>
-              <a:t>Features</a:t>
-            </a:r>
-            <a:r>
               <a:rPr lang="fr-FR" dirty="0"/>
-              <a:t> à développer</a:t>
+              <a:t>Préconisations</a:t>
             </a:r>
           </a:p>
         </p:txBody>
@@ -4060,7 +5380,7 @@
             </a:pPr>
             <a:r>
               <a:rPr lang="fr-FR" dirty="0"/>
-              <a:t>Fournir des infos intéressantes pour </a:t>
+              <a:t>Fournir des informations intéressantes pour </a:t>
             </a:r>
           </a:p>
           <a:p>
@@ -4089,6 +5409,16 @@
             <a:r>
               <a:rPr lang="fr-FR" dirty="0"/>
               <a:t> team</a:t>
+            </a:r>
+          </a:p>
+          <a:p>
+            <a:pPr marL="971550" lvl="1" indent="-514350">
+              <a:buFont typeface="+mj-lt"/>
+              <a:buAutoNum type="arabicPeriod"/>
+            </a:pPr>
+            <a:r>
+              <a:rPr lang="fr-FR" dirty="0"/>
+              <a:t>Le business</a:t>
             </a:r>
           </a:p>
           <a:p>
@@ -4626,7 +5956,7 @@
         </p:nvSpPr>
         <p:spPr>
           <a:xfrm>
-            <a:off x="5264520" y="672001"/>
+            <a:off x="6749242" y="1687522"/>
             <a:ext cx="5981657" cy="1477328"/>
           </a:xfrm>
           <a:prstGeom prst="rect">
@@ -4779,6 +6109,39 @@
           </a:fontRef>
         </p:style>
       </p:cxnSp>
+      <p:sp>
+        <p:nvSpPr>
+          <p:cNvPr id="3" name="Titre 1">
+            <a:extLst>
+              <a:ext uri="{FF2B5EF4-FFF2-40B4-BE49-F238E27FC236}">
+                <a16:creationId xmlns:a16="http://schemas.microsoft.com/office/drawing/2014/main" id="{F4FF0C41-EB12-E486-9E24-A747729C2F33}"/>
+              </a:ext>
+            </a:extLst>
+          </p:cNvPr>
+          <p:cNvSpPr>
+            <a:spLocks noGrp="1"/>
+          </p:cNvSpPr>
+          <p:nvPr>
+            <p:ph type="title"/>
+          </p:nvPr>
+        </p:nvSpPr>
+        <p:spPr>
+          <a:xfrm>
+            <a:off x="3142054" y="175984"/>
+            <a:ext cx="8173467" cy="1325563"/>
+          </a:xfrm>
+        </p:spPr>
+        <p:txBody>
+          <a:bodyPr/>
+          <a:lstStyle/>
+          <a:p>
+            <a:r>
+              <a:rPr lang="fr-FR" dirty="0"/>
+              <a:t>Problèmes et Solutions</a:t>
+            </a:r>
+          </a:p>
+        </p:txBody>
+      </p:sp>
     </p:spTree>
     <p:extLst>
       <p:ext uri="{BB962C8B-B14F-4D97-AF65-F5344CB8AC3E}">
@@ -5372,8 +6735,8 @@
         </p:nvSpPr>
         <p:spPr>
           <a:xfrm>
-            <a:off x="4433567" y="222333"/>
-            <a:ext cx="7758433" cy="3693319"/>
+            <a:off x="3732698" y="164813"/>
+            <a:ext cx="8225203" cy="3416320"/>
           </a:xfrm>
           <a:prstGeom prst="rect">
             <a:avLst/>
@@ -5388,7 +6751,7 @@
           <a:p>
             <a:r>
               <a:rPr lang="fr-FR" b="1" i="1" dirty="0"/>
-              <a:t>BESOINS :</a:t>
+              <a:t>REPONSES AUX BESOINS :</a:t>
             </a:r>
           </a:p>
           <a:p>
@@ -5428,7 +6791,17 @@
             </a:pPr>
             <a:r>
               <a:rPr lang="fr-FR" i="1" dirty="0"/>
-              <a:t>Facile à modifier, Peut gérer de grandes quantités de datas, Python + </a:t>
+              <a:t>Facile à modifier, Peut gérer de grandes quantités de datas, </a:t>
+            </a:r>
+          </a:p>
+          <a:p>
+            <a:pPr marL="1200150" lvl="2" indent="-285750">
+              <a:buFont typeface="Arial" panose="020B0604020202020204" pitchFamily="34" charset="0"/>
+              <a:buChar char="•"/>
+            </a:pPr>
+            <a:r>
+              <a:rPr lang="fr-FR" i="1" dirty="0"/>
+              <a:t>Python + </a:t>
             </a:r>
             <a:r>
               <a:rPr lang="fr-FR" i="1" dirty="0" err="1"/>
@@ -5444,7 +6817,7 @@
             </a:r>
             <a:r>
               <a:rPr lang="fr-FR" i="1" dirty="0"/>
-              <a:t> relationnelle, Batch </a:t>
+              <a:t> relationnelle (csv), Batch </a:t>
             </a:r>
             <a:r>
               <a:rPr lang="fr-FR" i="1" dirty="0" err="1"/>
@@ -5469,7 +6842,7 @@
             </a:pPr>
             <a:r>
               <a:rPr lang="fr-FR" i="1" dirty="0"/>
-              <a:t>Accès liés aux bases de données sécurisés</a:t>
+              <a:t>Accès sécurisés aux bases de données (1password, connexion SSH)</a:t>
             </a:r>
           </a:p>
           <a:p>
@@ -5697,42 +7070,6 @@
       </p:grpSpPr>
       <p:sp>
         <p:nvSpPr>
-          <p:cNvPr id="2" name="Titre 1">
-            <a:extLst>
-              <a:ext uri="{FF2B5EF4-FFF2-40B4-BE49-F238E27FC236}">
-                <a16:creationId xmlns:a16="http://schemas.microsoft.com/office/drawing/2014/main" id="{6B2038E8-E7D5-CBF8-0FE1-F55A18AE21BF}"/>
-              </a:ext>
-            </a:extLst>
-          </p:cNvPr>
-          <p:cNvSpPr>
-            <a:spLocks noGrp="1"/>
-          </p:cNvSpPr>
-          <p:nvPr>
-            <p:ph type="title"/>
-          </p:nvPr>
-        </p:nvSpPr>
-        <p:spPr/>
-        <p:txBody>
-          <a:bodyPr/>
-          <a:lstStyle/>
-          <a:p>
-            <a:r>
-              <a:rPr lang="fr-FR" dirty="0"/>
-              <a:t>Organisation – </a:t>
-            </a:r>
-            <a:r>
-              <a:rPr lang="fr-FR" dirty="0" err="1"/>
-              <a:t>Tree</a:t>
-            </a:r>
-            <a:r>
-              <a:rPr lang="fr-FR" dirty="0"/>
-              <a:t> structure</a:t>
-            </a:r>
-          </a:p>
-        </p:txBody>
-      </p:sp>
-      <p:sp>
-        <p:nvSpPr>
           <p:cNvPr id="4" name="Rectangle 3">
             <a:extLst>
               <a:ext uri="{FF2B5EF4-FFF2-40B4-BE49-F238E27FC236}">
@@ -5865,7 +7202,7 @@
         </p:nvSpPr>
         <p:spPr>
           <a:xfrm>
-            <a:off x="3398363" y="1912442"/>
+            <a:off x="3398363" y="1996940"/>
             <a:ext cx="3744013" cy="430887"/>
           </a:xfrm>
           <a:prstGeom prst="rect">
@@ -5909,7 +7246,7 @@
             </a:r>
             <a:r>
               <a:rPr lang="fr-FR" sz="1100" dirty="0"/>
-              <a:t> rate</a:t>
+              <a:t> rate)</a:t>
             </a:r>
           </a:p>
           <a:p>
@@ -5979,7 +7316,7 @@
         </p:nvSpPr>
         <p:spPr>
           <a:xfrm>
-            <a:off x="3398363" y="2611578"/>
+            <a:off x="3322949" y="2693066"/>
             <a:ext cx="3668600" cy="769441"/>
           </a:xfrm>
           <a:prstGeom prst="rect">
@@ -5999,7 +7336,23 @@
             </a:pPr>
             <a:r>
               <a:rPr lang="fr-FR" sz="1100" dirty="0"/>
-              <a:t>Contient toutes les méthodes</a:t>
+              <a:t>Contient toutes les méthodes (</a:t>
+            </a:r>
+            <a:r>
+              <a:rPr lang="fr-FR" sz="1100" dirty="0" err="1"/>
+              <a:t>create</a:t>
+            </a:r>
+            <a:r>
+              <a:rPr lang="fr-FR" sz="1100" dirty="0"/>
+              <a:t>, </a:t>
+            </a:r>
+            <a:r>
+              <a:rPr lang="fr-FR" sz="1100" dirty="0" err="1"/>
+              <a:t>insert,truncate</a:t>
+            </a:r>
+            <a:r>
+              <a:rPr lang="fr-FR" sz="1100" dirty="0"/>
+              <a:t>..)</a:t>
             </a:r>
           </a:p>
           <a:p>
@@ -6066,8 +7419,8 @@
         </p:nvSpPr>
         <p:spPr>
           <a:xfrm>
-            <a:off x="6834434" y="4332532"/>
-            <a:ext cx="3668600" cy="261610"/>
+            <a:off x="6777873" y="4372597"/>
+            <a:ext cx="3668600" cy="430887"/>
           </a:xfrm>
           <a:prstGeom prst="rect">
             <a:avLst/>
@@ -6086,7 +7439,7 @@
             </a:pPr>
             <a:r>
               <a:rPr lang="fr-FR" sz="1100" dirty="0"/>
-              <a:t>Approche par module</a:t>
+              <a:t>Approche par module. 1 fichier = 1 fonction =&gt; Permet une plus grande scalabilité</a:t>
             </a:r>
           </a:p>
         </p:txBody>
@@ -6343,7 +7696,7 @@
             </a:r>
             <a:r>
               <a:rPr lang="fr-FR" sz="1100" dirty="0"/>
-              <a:t> dans une catégorie « Sans GID »</a:t>
+              <a:t> dans une catégorie « Sans GID » dans le but de normaliser la data</a:t>
             </a:r>
           </a:p>
           <a:p>
@@ -7389,7 +8742,7 @@
         <p:spPr>
           <a:xfrm>
             <a:off x="838200" y="1890075"/>
-            <a:ext cx="10515600" cy="4286888"/>
+            <a:ext cx="7080315" cy="579748"/>
           </a:xfrm>
         </p:spPr>
         <p:txBody>
@@ -7402,12 +8755,15 @@
               <a:buNone/>
             </a:pPr>
             <a:r>
-              <a:rPr lang="en-US" sz="1800" dirty="0"/>
-              <a:t>How would you build one or several tables that would allow efficient data exploration for this project ? </a:t>
-            </a:r>
-          </a:p>
-          <a:p>
-            <a:pPr lvl="1"/>
+              <a:rPr lang="en-US" sz="1800" b="1" dirty="0"/>
+              <a:t>Is it easy to read data from your tables ? Are they scalable ? 1/2</a:t>
+            </a:r>
+            <a:endParaRPr lang="en-US" sz="1800" dirty="0"/>
+          </a:p>
+          <a:p>
+            <a:pPr marL="457200" lvl="1" indent="0">
+              <a:buNone/>
+            </a:pPr>
             <a:endParaRPr lang="fr-FR" sz="1800" dirty="0"/>
           </a:p>
         </p:txBody>
@@ -7458,6 +8814,768 @@
               <a:rPr lang="fr-FR" dirty="0"/>
               <a:t>Data pipeline</a:t>
             </a:r>
+          </a:p>
+        </p:txBody>
+      </p:sp>
+      <p:pic>
+        <p:nvPicPr>
+          <p:cNvPr id="6" name="Image 5">
+            <a:extLst>
+              <a:ext uri="{FF2B5EF4-FFF2-40B4-BE49-F238E27FC236}">
+                <a16:creationId xmlns:a16="http://schemas.microsoft.com/office/drawing/2014/main" id="{E0FC61CE-B5E4-BE85-4D74-E459C8CC94DB}"/>
+              </a:ext>
+            </a:extLst>
+          </p:cNvPr>
+          <p:cNvPicPr>
+            <a:picLocks noChangeAspect="1"/>
+          </p:cNvPicPr>
+          <p:nvPr/>
+        </p:nvPicPr>
+        <p:blipFill>
+          <a:blip r:embed="rId2"/>
+          <a:stretch>
+            <a:fillRect/>
+          </a:stretch>
+        </p:blipFill>
+        <p:spPr>
+          <a:xfrm>
+            <a:off x="430008" y="3565061"/>
+            <a:ext cx="3271126" cy="2495888"/>
+          </a:xfrm>
+          <a:prstGeom prst="rect">
+            <a:avLst/>
+          </a:prstGeom>
+        </p:spPr>
+      </p:pic>
+      <p:sp>
+        <p:nvSpPr>
+          <p:cNvPr id="7" name="Espace réservé du contenu 2">
+            <a:extLst>
+              <a:ext uri="{FF2B5EF4-FFF2-40B4-BE49-F238E27FC236}">
+                <a16:creationId xmlns:a16="http://schemas.microsoft.com/office/drawing/2014/main" id="{49768DFB-DCF2-C194-8C16-15D7DA5BBD08}"/>
+              </a:ext>
+            </a:extLst>
+          </p:cNvPr>
+          <p:cNvSpPr txBox="1">
+            <a:spLocks/>
+          </p:cNvSpPr>
+          <p:nvPr/>
+        </p:nvSpPr>
+        <p:spPr>
+          <a:xfrm>
+            <a:off x="132913" y="3041716"/>
+            <a:ext cx="3401991" cy="340946"/>
+          </a:xfrm>
+          <a:prstGeom prst="rect">
+            <a:avLst/>
+          </a:prstGeom>
+        </p:spPr>
+        <p:txBody>
+          <a:bodyPr vert="horz" lIns="91440" tIns="45720" rIns="91440" bIns="45720" rtlCol="0">
+            <a:normAutofit/>
+          </a:bodyPr>
+          <a:lstStyle>
+            <a:lvl1pPr marL="228600" indent="-228600" algn="l" defTabSz="914400" rtl="0" eaLnBrk="1" latinLnBrk="0" hangingPunct="1">
+              <a:lnSpc>
+                <a:spcPct val="90000"/>
+              </a:lnSpc>
+              <a:spcBef>
+                <a:spcPts val="1000"/>
+              </a:spcBef>
+              <a:buFont typeface="Arial" panose="020B0604020202020204" pitchFamily="34" charset="0"/>
+              <a:buChar char="•"/>
+              <a:defRPr sz="2800" kern="1200">
+                <a:solidFill>
+                  <a:schemeClr val="tx1"/>
+                </a:solidFill>
+                <a:latin typeface="+mn-lt"/>
+                <a:ea typeface="+mn-ea"/>
+                <a:cs typeface="+mn-cs"/>
+              </a:defRPr>
+            </a:lvl1pPr>
+            <a:lvl2pPr marL="685800" indent="-228600" algn="l" defTabSz="914400" rtl="0" eaLnBrk="1" latinLnBrk="0" hangingPunct="1">
+              <a:lnSpc>
+                <a:spcPct val="90000"/>
+              </a:lnSpc>
+              <a:spcBef>
+                <a:spcPts val="500"/>
+              </a:spcBef>
+              <a:buFont typeface="Arial" panose="020B0604020202020204" pitchFamily="34" charset="0"/>
+              <a:buChar char="•"/>
+              <a:defRPr sz="2400" kern="1200">
+                <a:solidFill>
+                  <a:schemeClr val="tx1"/>
+                </a:solidFill>
+                <a:latin typeface="+mn-lt"/>
+                <a:ea typeface="+mn-ea"/>
+                <a:cs typeface="+mn-cs"/>
+              </a:defRPr>
+            </a:lvl2pPr>
+            <a:lvl3pPr marL="1143000" indent="-228600" algn="l" defTabSz="914400" rtl="0" eaLnBrk="1" latinLnBrk="0" hangingPunct="1">
+              <a:lnSpc>
+                <a:spcPct val="90000"/>
+              </a:lnSpc>
+              <a:spcBef>
+                <a:spcPts val="500"/>
+              </a:spcBef>
+              <a:buFont typeface="Arial" panose="020B0604020202020204" pitchFamily="34" charset="0"/>
+              <a:buChar char="•"/>
+              <a:defRPr sz="2000" kern="1200">
+                <a:solidFill>
+                  <a:schemeClr val="tx1"/>
+                </a:solidFill>
+                <a:latin typeface="+mn-lt"/>
+                <a:ea typeface="+mn-ea"/>
+                <a:cs typeface="+mn-cs"/>
+              </a:defRPr>
+            </a:lvl3pPr>
+            <a:lvl4pPr marL="1600200" indent="-228600" algn="l" defTabSz="914400" rtl="0" eaLnBrk="1" latinLnBrk="0" hangingPunct="1">
+              <a:lnSpc>
+                <a:spcPct val="90000"/>
+              </a:lnSpc>
+              <a:spcBef>
+                <a:spcPts val="500"/>
+              </a:spcBef>
+              <a:buFont typeface="Arial" panose="020B0604020202020204" pitchFamily="34" charset="0"/>
+              <a:buChar char="•"/>
+              <a:defRPr sz="1800" kern="1200">
+                <a:solidFill>
+                  <a:schemeClr val="tx1"/>
+                </a:solidFill>
+                <a:latin typeface="+mn-lt"/>
+                <a:ea typeface="+mn-ea"/>
+                <a:cs typeface="+mn-cs"/>
+              </a:defRPr>
+            </a:lvl4pPr>
+            <a:lvl5pPr marL="2057400" indent="-228600" algn="l" defTabSz="914400" rtl="0" eaLnBrk="1" latinLnBrk="0" hangingPunct="1">
+              <a:lnSpc>
+                <a:spcPct val="90000"/>
+              </a:lnSpc>
+              <a:spcBef>
+                <a:spcPts val="500"/>
+              </a:spcBef>
+              <a:buFont typeface="Arial" panose="020B0604020202020204" pitchFamily="34" charset="0"/>
+              <a:buChar char="•"/>
+              <a:defRPr sz="1800" kern="1200">
+                <a:solidFill>
+                  <a:schemeClr val="tx1"/>
+                </a:solidFill>
+                <a:latin typeface="+mn-lt"/>
+                <a:ea typeface="+mn-ea"/>
+                <a:cs typeface="+mn-cs"/>
+              </a:defRPr>
+            </a:lvl5pPr>
+            <a:lvl6pPr marL="2514600" indent="-228600" algn="l" defTabSz="914400" rtl="0" eaLnBrk="1" latinLnBrk="0" hangingPunct="1">
+              <a:lnSpc>
+                <a:spcPct val="90000"/>
+              </a:lnSpc>
+              <a:spcBef>
+                <a:spcPts val="500"/>
+              </a:spcBef>
+              <a:buFont typeface="Arial" panose="020B0604020202020204" pitchFamily="34" charset="0"/>
+              <a:buChar char="•"/>
+              <a:defRPr sz="1800" kern="1200">
+                <a:solidFill>
+                  <a:schemeClr val="tx1"/>
+                </a:solidFill>
+                <a:latin typeface="+mn-lt"/>
+                <a:ea typeface="+mn-ea"/>
+                <a:cs typeface="+mn-cs"/>
+              </a:defRPr>
+            </a:lvl6pPr>
+            <a:lvl7pPr marL="2971800" indent="-228600" algn="l" defTabSz="914400" rtl="0" eaLnBrk="1" latinLnBrk="0" hangingPunct="1">
+              <a:lnSpc>
+                <a:spcPct val="90000"/>
+              </a:lnSpc>
+              <a:spcBef>
+                <a:spcPts val="500"/>
+              </a:spcBef>
+              <a:buFont typeface="Arial" panose="020B0604020202020204" pitchFamily="34" charset="0"/>
+              <a:buChar char="•"/>
+              <a:defRPr sz="1800" kern="1200">
+                <a:solidFill>
+                  <a:schemeClr val="tx1"/>
+                </a:solidFill>
+                <a:latin typeface="+mn-lt"/>
+                <a:ea typeface="+mn-ea"/>
+                <a:cs typeface="+mn-cs"/>
+              </a:defRPr>
+            </a:lvl7pPr>
+            <a:lvl8pPr marL="3429000" indent="-228600" algn="l" defTabSz="914400" rtl="0" eaLnBrk="1" latinLnBrk="0" hangingPunct="1">
+              <a:lnSpc>
+                <a:spcPct val="90000"/>
+              </a:lnSpc>
+              <a:spcBef>
+                <a:spcPts val="500"/>
+              </a:spcBef>
+              <a:buFont typeface="Arial" panose="020B0604020202020204" pitchFamily="34" charset="0"/>
+              <a:buChar char="•"/>
+              <a:defRPr sz="1800" kern="1200">
+                <a:solidFill>
+                  <a:schemeClr val="tx1"/>
+                </a:solidFill>
+                <a:latin typeface="+mn-lt"/>
+                <a:ea typeface="+mn-ea"/>
+                <a:cs typeface="+mn-cs"/>
+              </a:defRPr>
+            </a:lvl8pPr>
+            <a:lvl9pPr marL="3886200" indent="-228600" algn="l" defTabSz="914400" rtl="0" eaLnBrk="1" latinLnBrk="0" hangingPunct="1">
+              <a:lnSpc>
+                <a:spcPct val="90000"/>
+              </a:lnSpc>
+              <a:spcBef>
+                <a:spcPts val="500"/>
+              </a:spcBef>
+              <a:buFont typeface="Arial" panose="020B0604020202020204" pitchFamily="34" charset="0"/>
+              <a:buChar char="•"/>
+              <a:defRPr sz="1800" kern="1200">
+                <a:solidFill>
+                  <a:schemeClr val="tx1"/>
+                </a:solidFill>
+                <a:latin typeface="+mn-lt"/>
+                <a:ea typeface="+mn-ea"/>
+                <a:cs typeface="+mn-cs"/>
+              </a:defRPr>
+            </a:lvl9pPr>
+          </a:lstStyle>
+          <a:p>
+            <a:pPr marL="457200" lvl="1" indent="0" algn="ctr">
+              <a:buFont typeface="Arial" panose="020B0604020202020204" pitchFamily="34" charset="0"/>
+              <a:buNone/>
+            </a:pPr>
+            <a:r>
+              <a:rPr lang="en-US" sz="1800" b="1" dirty="0" err="1"/>
+              <a:t>Analyse</a:t>
+            </a:r>
+            <a:r>
+              <a:rPr lang="en-US" sz="1800" b="1" dirty="0"/>
+              <a:t> sous </a:t>
+            </a:r>
+            <a:r>
+              <a:rPr lang="en-US" sz="1800" b="1" dirty="0" err="1"/>
+              <a:t>l’axe</a:t>
+            </a:r>
+            <a:r>
+              <a:rPr lang="en-US" sz="1800" b="1" dirty="0"/>
+              <a:t> </a:t>
+            </a:r>
+            <a:r>
+              <a:rPr lang="en-US" sz="1800" b="1" dirty="0" err="1"/>
+              <a:t>géo</a:t>
+            </a:r>
+            <a:endParaRPr lang="en-US" sz="1800" dirty="0"/>
+          </a:p>
+        </p:txBody>
+      </p:sp>
+      <p:pic>
+        <p:nvPicPr>
+          <p:cNvPr id="9" name="Image 8">
+            <a:extLst>
+              <a:ext uri="{FF2B5EF4-FFF2-40B4-BE49-F238E27FC236}">
+                <a16:creationId xmlns:a16="http://schemas.microsoft.com/office/drawing/2014/main" id="{15B15717-7677-5F4A-245D-0074B6E3A037}"/>
+              </a:ext>
+            </a:extLst>
+          </p:cNvPr>
+          <p:cNvPicPr>
+            <a:picLocks noChangeAspect="1"/>
+          </p:cNvPicPr>
+          <p:nvPr/>
+        </p:nvPicPr>
+        <p:blipFill>
+          <a:blip r:embed="rId3"/>
+          <a:stretch>
+            <a:fillRect/>
+          </a:stretch>
+        </p:blipFill>
+        <p:spPr>
+          <a:xfrm>
+            <a:off x="4384173" y="3565061"/>
+            <a:ext cx="3132831" cy="2495888"/>
+          </a:xfrm>
+          <a:prstGeom prst="rect">
+            <a:avLst/>
+          </a:prstGeom>
+        </p:spPr>
+      </p:pic>
+      <p:sp>
+        <p:nvSpPr>
+          <p:cNvPr id="10" name="Espace réservé du contenu 2">
+            <a:extLst>
+              <a:ext uri="{FF2B5EF4-FFF2-40B4-BE49-F238E27FC236}">
+                <a16:creationId xmlns:a16="http://schemas.microsoft.com/office/drawing/2014/main" id="{FBAA270A-E170-01F8-8AD0-67E1740445B7}"/>
+              </a:ext>
+            </a:extLst>
+          </p:cNvPr>
+          <p:cNvSpPr txBox="1">
+            <a:spLocks/>
+          </p:cNvSpPr>
+          <p:nvPr/>
+        </p:nvSpPr>
+        <p:spPr>
+          <a:xfrm>
+            <a:off x="3648871" y="3088054"/>
+            <a:ext cx="3868133" cy="340946"/>
+          </a:xfrm>
+          <a:prstGeom prst="rect">
+            <a:avLst/>
+          </a:prstGeom>
+        </p:spPr>
+        <p:txBody>
+          <a:bodyPr vert="horz" lIns="91440" tIns="45720" rIns="91440" bIns="45720" rtlCol="0">
+            <a:normAutofit/>
+          </a:bodyPr>
+          <a:lstStyle>
+            <a:lvl1pPr marL="228600" indent="-228600" algn="l" defTabSz="914400" rtl="0" eaLnBrk="1" latinLnBrk="0" hangingPunct="1">
+              <a:lnSpc>
+                <a:spcPct val="90000"/>
+              </a:lnSpc>
+              <a:spcBef>
+                <a:spcPts val="1000"/>
+              </a:spcBef>
+              <a:buFont typeface="Arial" panose="020B0604020202020204" pitchFamily="34" charset="0"/>
+              <a:buChar char="•"/>
+              <a:defRPr sz="2800" kern="1200">
+                <a:solidFill>
+                  <a:schemeClr val="tx1"/>
+                </a:solidFill>
+                <a:latin typeface="+mn-lt"/>
+                <a:ea typeface="+mn-ea"/>
+                <a:cs typeface="+mn-cs"/>
+              </a:defRPr>
+            </a:lvl1pPr>
+            <a:lvl2pPr marL="685800" indent="-228600" algn="l" defTabSz="914400" rtl="0" eaLnBrk="1" latinLnBrk="0" hangingPunct="1">
+              <a:lnSpc>
+                <a:spcPct val="90000"/>
+              </a:lnSpc>
+              <a:spcBef>
+                <a:spcPts val="500"/>
+              </a:spcBef>
+              <a:buFont typeface="Arial" panose="020B0604020202020204" pitchFamily="34" charset="0"/>
+              <a:buChar char="•"/>
+              <a:defRPr sz="2400" kern="1200">
+                <a:solidFill>
+                  <a:schemeClr val="tx1"/>
+                </a:solidFill>
+                <a:latin typeface="+mn-lt"/>
+                <a:ea typeface="+mn-ea"/>
+                <a:cs typeface="+mn-cs"/>
+              </a:defRPr>
+            </a:lvl2pPr>
+            <a:lvl3pPr marL="1143000" indent="-228600" algn="l" defTabSz="914400" rtl="0" eaLnBrk="1" latinLnBrk="0" hangingPunct="1">
+              <a:lnSpc>
+                <a:spcPct val="90000"/>
+              </a:lnSpc>
+              <a:spcBef>
+                <a:spcPts val="500"/>
+              </a:spcBef>
+              <a:buFont typeface="Arial" panose="020B0604020202020204" pitchFamily="34" charset="0"/>
+              <a:buChar char="•"/>
+              <a:defRPr sz="2000" kern="1200">
+                <a:solidFill>
+                  <a:schemeClr val="tx1"/>
+                </a:solidFill>
+                <a:latin typeface="+mn-lt"/>
+                <a:ea typeface="+mn-ea"/>
+                <a:cs typeface="+mn-cs"/>
+              </a:defRPr>
+            </a:lvl3pPr>
+            <a:lvl4pPr marL="1600200" indent="-228600" algn="l" defTabSz="914400" rtl="0" eaLnBrk="1" latinLnBrk="0" hangingPunct="1">
+              <a:lnSpc>
+                <a:spcPct val="90000"/>
+              </a:lnSpc>
+              <a:spcBef>
+                <a:spcPts val="500"/>
+              </a:spcBef>
+              <a:buFont typeface="Arial" panose="020B0604020202020204" pitchFamily="34" charset="0"/>
+              <a:buChar char="•"/>
+              <a:defRPr sz="1800" kern="1200">
+                <a:solidFill>
+                  <a:schemeClr val="tx1"/>
+                </a:solidFill>
+                <a:latin typeface="+mn-lt"/>
+                <a:ea typeface="+mn-ea"/>
+                <a:cs typeface="+mn-cs"/>
+              </a:defRPr>
+            </a:lvl4pPr>
+            <a:lvl5pPr marL="2057400" indent="-228600" algn="l" defTabSz="914400" rtl="0" eaLnBrk="1" latinLnBrk="0" hangingPunct="1">
+              <a:lnSpc>
+                <a:spcPct val="90000"/>
+              </a:lnSpc>
+              <a:spcBef>
+                <a:spcPts val="500"/>
+              </a:spcBef>
+              <a:buFont typeface="Arial" panose="020B0604020202020204" pitchFamily="34" charset="0"/>
+              <a:buChar char="•"/>
+              <a:defRPr sz="1800" kern="1200">
+                <a:solidFill>
+                  <a:schemeClr val="tx1"/>
+                </a:solidFill>
+                <a:latin typeface="+mn-lt"/>
+                <a:ea typeface="+mn-ea"/>
+                <a:cs typeface="+mn-cs"/>
+              </a:defRPr>
+            </a:lvl5pPr>
+            <a:lvl6pPr marL="2514600" indent="-228600" algn="l" defTabSz="914400" rtl="0" eaLnBrk="1" latinLnBrk="0" hangingPunct="1">
+              <a:lnSpc>
+                <a:spcPct val="90000"/>
+              </a:lnSpc>
+              <a:spcBef>
+                <a:spcPts val="500"/>
+              </a:spcBef>
+              <a:buFont typeface="Arial" panose="020B0604020202020204" pitchFamily="34" charset="0"/>
+              <a:buChar char="•"/>
+              <a:defRPr sz="1800" kern="1200">
+                <a:solidFill>
+                  <a:schemeClr val="tx1"/>
+                </a:solidFill>
+                <a:latin typeface="+mn-lt"/>
+                <a:ea typeface="+mn-ea"/>
+                <a:cs typeface="+mn-cs"/>
+              </a:defRPr>
+            </a:lvl6pPr>
+            <a:lvl7pPr marL="2971800" indent="-228600" algn="l" defTabSz="914400" rtl="0" eaLnBrk="1" latinLnBrk="0" hangingPunct="1">
+              <a:lnSpc>
+                <a:spcPct val="90000"/>
+              </a:lnSpc>
+              <a:spcBef>
+                <a:spcPts val="500"/>
+              </a:spcBef>
+              <a:buFont typeface="Arial" panose="020B0604020202020204" pitchFamily="34" charset="0"/>
+              <a:buChar char="•"/>
+              <a:defRPr sz="1800" kern="1200">
+                <a:solidFill>
+                  <a:schemeClr val="tx1"/>
+                </a:solidFill>
+                <a:latin typeface="+mn-lt"/>
+                <a:ea typeface="+mn-ea"/>
+                <a:cs typeface="+mn-cs"/>
+              </a:defRPr>
+            </a:lvl7pPr>
+            <a:lvl8pPr marL="3429000" indent="-228600" algn="l" defTabSz="914400" rtl="0" eaLnBrk="1" latinLnBrk="0" hangingPunct="1">
+              <a:lnSpc>
+                <a:spcPct val="90000"/>
+              </a:lnSpc>
+              <a:spcBef>
+                <a:spcPts val="500"/>
+              </a:spcBef>
+              <a:buFont typeface="Arial" panose="020B0604020202020204" pitchFamily="34" charset="0"/>
+              <a:buChar char="•"/>
+              <a:defRPr sz="1800" kern="1200">
+                <a:solidFill>
+                  <a:schemeClr val="tx1"/>
+                </a:solidFill>
+                <a:latin typeface="+mn-lt"/>
+                <a:ea typeface="+mn-ea"/>
+                <a:cs typeface="+mn-cs"/>
+              </a:defRPr>
+            </a:lvl8pPr>
+            <a:lvl9pPr marL="3886200" indent="-228600" algn="l" defTabSz="914400" rtl="0" eaLnBrk="1" latinLnBrk="0" hangingPunct="1">
+              <a:lnSpc>
+                <a:spcPct val="90000"/>
+              </a:lnSpc>
+              <a:spcBef>
+                <a:spcPts val="500"/>
+              </a:spcBef>
+              <a:buFont typeface="Arial" panose="020B0604020202020204" pitchFamily="34" charset="0"/>
+              <a:buChar char="•"/>
+              <a:defRPr sz="1800" kern="1200">
+                <a:solidFill>
+                  <a:schemeClr val="tx1"/>
+                </a:solidFill>
+                <a:latin typeface="+mn-lt"/>
+                <a:ea typeface="+mn-ea"/>
+                <a:cs typeface="+mn-cs"/>
+              </a:defRPr>
+            </a:lvl9pPr>
+          </a:lstStyle>
+          <a:p>
+            <a:pPr marL="457200" lvl="1" indent="0" algn="ctr">
+              <a:buFont typeface="Arial" panose="020B0604020202020204" pitchFamily="34" charset="0"/>
+              <a:buNone/>
+            </a:pPr>
+            <a:r>
+              <a:rPr lang="en-US" sz="1800" b="1" dirty="0" err="1"/>
+              <a:t>Analyse</a:t>
+            </a:r>
+            <a:r>
+              <a:rPr lang="en-US" sz="1800" b="1" dirty="0"/>
+              <a:t> </a:t>
+            </a:r>
+            <a:r>
+              <a:rPr lang="en-US" sz="1800" b="1" dirty="0" err="1"/>
+              <a:t>simplifiée</a:t>
+            </a:r>
+            <a:r>
+              <a:rPr lang="en-US" sz="1800" b="1" dirty="0"/>
+              <a:t> sous </a:t>
+            </a:r>
+            <a:r>
+              <a:rPr lang="en-US" sz="1800" b="1" dirty="0" err="1"/>
+              <a:t>l’axe</a:t>
+            </a:r>
+            <a:r>
+              <a:rPr lang="en-US" sz="1800" b="1" dirty="0"/>
+              <a:t> date</a:t>
+            </a:r>
+            <a:endParaRPr lang="en-US" sz="1800" dirty="0"/>
+          </a:p>
+        </p:txBody>
+      </p:sp>
+      <p:pic>
+        <p:nvPicPr>
+          <p:cNvPr id="12" name="Image 11">
+            <a:extLst>
+              <a:ext uri="{FF2B5EF4-FFF2-40B4-BE49-F238E27FC236}">
+                <a16:creationId xmlns:a16="http://schemas.microsoft.com/office/drawing/2014/main" id="{B54937AE-10EC-B749-C746-B8EDB09BB697}"/>
+              </a:ext>
+            </a:extLst>
+          </p:cNvPr>
+          <p:cNvPicPr>
+            <a:picLocks noChangeAspect="1"/>
+          </p:cNvPicPr>
+          <p:nvPr/>
+        </p:nvPicPr>
+        <p:blipFill>
+          <a:blip r:embed="rId4"/>
+          <a:stretch>
+            <a:fillRect/>
+          </a:stretch>
+        </p:blipFill>
+        <p:spPr>
+          <a:xfrm>
+            <a:off x="8525608" y="3565061"/>
+            <a:ext cx="2828192" cy="2495888"/>
+          </a:xfrm>
+          <a:prstGeom prst="rect">
+            <a:avLst/>
+          </a:prstGeom>
+        </p:spPr>
+      </p:pic>
+      <p:sp>
+        <p:nvSpPr>
+          <p:cNvPr id="13" name="Espace réservé du contenu 2">
+            <a:extLst>
+              <a:ext uri="{FF2B5EF4-FFF2-40B4-BE49-F238E27FC236}">
+                <a16:creationId xmlns:a16="http://schemas.microsoft.com/office/drawing/2014/main" id="{3A9B5B6E-52E8-6EDC-D2CC-BC289996252E}"/>
+              </a:ext>
+            </a:extLst>
+          </p:cNvPr>
+          <p:cNvSpPr txBox="1">
+            <a:spLocks/>
+          </p:cNvSpPr>
+          <p:nvPr/>
+        </p:nvSpPr>
+        <p:spPr>
+          <a:xfrm>
+            <a:off x="7730677" y="3041716"/>
+            <a:ext cx="4328410" cy="340946"/>
+          </a:xfrm>
+          <a:prstGeom prst="rect">
+            <a:avLst/>
+          </a:prstGeom>
+        </p:spPr>
+        <p:txBody>
+          <a:bodyPr vert="horz" lIns="91440" tIns="45720" rIns="91440" bIns="45720" rtlCol="0">
+            <a:normAutofit fontScale="92500"/>
+          </a:bodyPr>
+          <a:lstStyle>
+            <a:lvl1pPr marL="228600" indent="-228600" algn="l" defTabSz="914400" rtl="0" eaLnBrk="1" latinLnBrk="0" hangingPunct="1">
+              <a:lnSpc>
+                <a:spcPct val="90000"/>
+              </a:lnSpc>
+              <a:spcBef>
+                <a:spcPts val="1000"/>
+              </a:spcBef>
+              <a:buFont typeface="Arial" panose="020B0604020202020204" pitchFamily="34" charset="0"/>
+              <a:buChar char="•"/>
+              <a:defRPr sz="2800" kern="1200">
+                <a:solidFill>
+                  <a:schemeClr val="tx1"/>
+                </a:solidFill>
+                <a:latin typeface="+mn-lt"/>
+                <a:ea typeface="+mn-ea"/>
+                <a:cs typeface="+mn-cs"/>
+              </a:defRPr>
+            </a:lvl1pPr>
+            <a:lvl2pPr marL="685800" indent="-228600" algn="l" defTabSz="914400" rtl="0" eaLnBrk="1" latinLnBrk="0" hangingPunct="1">
+              <a:lnSpc>
+                <a:spcPct val="90000"/>
+              </a:lnSpc>
+              <a:spcBef>
+                <a:spcPts val="500"/>
+              </a:spcBef>
+              <a:buFont typeface="Arial" panose="020B0604020202020204" pitchFamily="34" charset="0"/>
+              <a:buChar char="•"/>
+              <a:defRPr sz="2400" kern="1200">
+                <a:solidFill>
+                  <a:schemeClr val="tx1"/>
+                </a:solidFill>
+                <a:latin typeface="+mn-lt"/>
+                <a:ea typeface="+mn-ea"/>
+                <a:cs typeface="+mn-cs"/>
+              </a:defRPr>
+            </a:lvl2pPr>
+            <a:lvl3pPr marL="1143000" indent="-228600" algn="l" defTabSz="914400" rtl="0" eaLnBrk="1" latinLnBrk="0" hangingPunct="1">
+              <a:lnSpc>
+                <a:spcPct val="90000"/>
+              </a:lnSpc>
+              <a:spcBef>
+                <a:spcPts val="500"/>
+              </a:spcBef>
+              <a:buFont typeface="Arial" panose="020B0604020202020204" pitchFamily="34" charset="0"/>
+              <a:buChar char="•"/>
+              <a:defRPr sz="2000" kern="1200">
+                <a:solidFill>
+                  <a:schemeClr val="tx1"/>
+                </a:solidFill>
+                <a:latin typeface="+mn-lt"/>
+                <a:ea typeface="+mn-ea"/>
+                <a:cs typeface="+mn-cs"/>
+              </a:defRPr>
+            </a:lvl3pPr>
+            <a:lvl4pPr marL="1600200" indent="-228600" algn="l" defTabSz="914400" rtl="0" eaLnBrk="1" latinLnBrk="0" hangingPunct="1">
+              <a:lnSpc>
+                <a:spcPct val="90000"/>
+              </a:lnSpc>
+              <a:spcBef>
+                <a:spcPts val="500"/>
+              </a:spcBef>
+              <a:buFont typeface="Arial" panose="020B0604020202020204" pitchFamily="34" charset="0"/>
+              <a:buChar char="•"/>
+              <a:defRPr sz="1800" kern="1200">
+                <a:solidFill>
+                  <a:schemeClr val="tx1"/>
+                </a:solidFill>
+                <a:latin typeface="+mn-lt"/>
+                <a:ea typeface="+mn-ea"/>
+                <a:cs typeface="+mn-cs"/>
+              </a:defRPr>
+            </a:lvl4pPr>
+            <a:lvl5pPr marL="2057400" indent="-228600" algn="l" defTabSz="914400" rtl="0" eaLnBrk="1" latinLnBrk="0" hangingPunct="1">
+              <a:lnSpc>
+                <a:spcPct val="90000"/>
+              </a:lnSpc>
+              <a:spcBef>
+                <a:spcPts val="500"/>
+              </a:spcBef>
+              <a:buFont typeface="Arial" panose="020B0604020202020204" pitchFamily="34" charset="0"/>
+              <a:buChar char="•"/>
+              <a:defRPr sz="1800" kern="1200">
+                <a:solidFill>
+                  <a:schemeClr val="tx1"/>
+                </a:solidFill>
+                <a:latin typeface="+mn-lt"/>
+                <a:ea typeface="+mn-ea"/>
+                <a:cs typeface="+mn-cs"/>
+              </a:defRPr>
+            </a:lvl5pPr>
+            <a:lvl6pPr marL="2514600" indent="-228600" algn="l" defTabSz="914400" rtl="0" eaLnBrk="1" latinLnBrk="0" hangingPunct="1">
+              <a:lnSpc>
+                <a:spcPct val="90000"/>
+              </a:lnSpc>
+              <a:spcBef>
+                <a:spcPts val="500"/>
+              </a:spcBef>
+              <a:buFont typeface="Arial" panose="020B0604020202020204" pitchFamily="34" charset="0"/>
+              <a:buChar char="•"/>
+              <a:defRPr sz="1800" kern="1200">
+                <a:solidFill>
+                  <a:schemeClr val="tx1"/>
+                </a:solidFill>
+                <a:latin typeface="+mn-lt"/>
+                <a:ea typeface="+mn-ea"/>
+                <a:cs typeface="+mn-cs"/>
+              </a:defRPr>
+            </a:lvl6pPr>
+            <a:lvl7pPr marL="2971800" indent="-228600" algn="l" defTabSz="914400" rtl="0" eaLnBrk="1" latinLnBrk="0" hangingPunct="1">
+              <a:lnSpc>
+                <a:spcPct val="90000"/>
+              </a:lnSpc>
+              <a:spcBef>
+                <a:spcPts val="500"/>
+              </a:spcBef>
+              <a:buFont typeface="Arial" panose="020B0604020202020204" pitchFamily="34" charset="0"/>
+              <a:buChar char="•"/>
+              <a:defRPr sz="1800" kern="1200">
+                <a:solidFill>
+                  <a:schemeClr val="tx1"/>
+                </a:solidFill>
+                <a:latin typeface="+mn-lt"/>
+                <a:ea typeface="+mn-ea"/>
+                <a:cs typeface="+mn-cs"/>
+              </a:defRPr>
+            </a:lvl7pPr>
+            <a:lvl8pPr marL="3429000" indent="-228600" algn="l" defTabSz="914400" rtl="0" eaLnBrk="1" latinLnBrk="0" hangingPunct="1">
+              <a:lnSpc>
+                <a:spcPct val="90000"/>
+              </a:lnSpc>
+              <a:spcBef>
+                <a:spcPts val="500"/>
+              </a:spcBef>
+              <a:buFont typeface="Arial" panose="020B0604020202020204" pitchFamily="34" charset="0"/>
+              <a:buChar char="•"/>
+              <a:defRPr sz="1800" kern="1200">
+                <a:solidFill>
+                  <a:schemeClr val="tx1"/>
+                </a:solidFill>
+                <a:latin typeface="+mn-lt"/>
+                <a:ea typeface="+mn-ea"/>
+                <a:cs typeface="+mn-cs"/>
+              </a:defRPr>
+            </a:lvl8pPr>
+            <a:lvl9pPr marL="3886200" indent="-228600" algn="l" defTabSz="914400" rtl="0" eaLnBrk="1" latinLnBrk="0" hangingPunct="1">
+              <a:lnSpc>
+                <a:spcPct val="90000"/>
+              </a:lnSpc>
+              <a:spcBef>
+                <a:spcPts val="500"/>
+              </a:spcBef>
+              <a:buFont typeface="Arial" panose="020B0604020202020204" pitchFamily="34" charset="0"/>
+              <a:buChar char="•"/>
+              <a:defRPr sz="1800" kern="1200">
+                <a:solidFill>
+                  <a:schemeClr val="tx1"/>
+                </a:solidFill>
+                <a:latin typeface="+mn-lt"/>
+                <a:ea typeface="+mn-ea"/>
+                <a:cs typeface="+mn-cs"/>
+              </a:defRPr>
+            </a:lvl9pPr>
+          </a:lstStyle>
+          <a:p>
+            <a:pPr marL="457200" lvl="1" indent="0" algn="ctr">
+              <a:buFont typeface="Arial" panose="020B0604020202020204" pitchFamily="34" charset="0"/>
+              <a:buNone/>
+            </a:pPr>
+            <a:r>
+              <a:rPr lang="en-US" sz="1800" b="1" dirty="0" err="1"/>
+              <a:t>Analyse</a:t>
+            </a:r>
+            <a:r>
+              <a:rPr lang="en-US" sz="1800" b="1" dirty="0"/>
+              <a:t> </a:t>
+            </a:r>
+            <a:r>
+              <a:rPr lang="en-US" sz="1800" b="1" dirty="0" err="1"/>
+              <a:t>simplifiée</a:t>
+            </a:r>
+            <a:r>
+              <a:rPr lang="en-US" sz="1800" b="1" dirty="0"/>
+              <a:t> sous </a:t>
+            </a:r>
+            <a:r>
+              <a:rPr lang="en-US" sz="1800" b="1" dirty="0" err="1"/>
+              <a:t>l’axe</a:t>
+            </a:r>
+            <a:r>
+              <a:rPr lang="en-US" sz="1800" b="1" dirty="0"/>
+              <a:t> des </a:t>
+            </a:r>
+            <a:r>
+              <a:rPr lang="en-US" sz="1800" b="1" dirty="0" err="1"/>
+              <a:t>centres</a:t>
+            </a:r>
+            <a:endParaRPr lang="en-US" sz="1800" dirty="0"/>
           </a:p>
         </p:txBody>
       </p:sp>
